--- a/courses/oopjava/lecture1.pptx
+++ b/courses/oopjava/lecture1.pptx
@@ -166,7 +166,7 @@
   </p:defaultTextStyle>
   <p:extLst>
     <p:ext uri="{EFAFB233-063F-42B5-8137-9DF3F51BA10A}">
-      <p15:sldGuideLst xmlns:p15="http://schemas.microsoft.com/office/powerpoint/2012/main" xmlns="">
+      <p15:sldGuideLst xmlns="" xmlns:p15="http://schemas.microsoft.com/office/powerpoint/2012/main">
         <p15:guide id="1" orient="horz" pos="2160">
           <p15:clr>
             <a:srgbClr val="A4A3A4"/>
@@ -4645,7 +4645,6 @@
               <a:rPr lang="en-US" dirty="0" smtClean="0"/>
               <a:t>Object-Oriented Programming with Java</a:t>
             </a:r>
-            <a:endParaRPr lang="en-US" dirty="0" smtClean="0"/>
           </a:p>
         </p:txBody>
       </p:sp>
@@ -4720,14 +4719,7 @@
                 <a:ea typeface="+mn-ea"/>
                 <a:cs typeface="+mn-cs"/>
               </a:rPr>
-              <a:t>Course URL: /courses</a:t>
-            </a:r>
-            <a:r>
-              <a:rPr lang="en-US" dirty="0" smtClean="0">
-                <a:ea typeface="+mn-ea"/>
-                <a:cs typeface="+mn-cs"/>
-              </a:rPr>
-              <a:t>/</a:t>
+              <a:t>Course URL: /courses/</a:t>
             </a:r>
             <a:r>
               <a:rPr lang="en-US" dirty="0" err="1" smtClean="0">
@@ -8208,11 +8200,7 @@
           <a:p>
             <a:r>
               <a:rPr lang="en-US" dirty="0" smtClean="0"/>
-              <a:t>Final </a:t>
-            </a:r>
-            <a:r>
-              <a:rPr lang="en-US" dirty="0" smtClean="0"/>
-              <a:t>Project</a:t>
+              <a:t>Final Project</a:t>
             </a:r>
             <a:endParaRPr lang="en-US" dirty="0"/>
           </a:p>
@@ -10275,7 +10263,6 @@
               <a:rPr lang="en-US" dirty="0" smtClean="0"/>
               <a:t>Read Chapter 1-2 OOP Book</a:t>
             </a:r>
-            <a:endParaRPr lang="en-US" dirty="0" smtClean="0"/>
           </a:p>
           <a:p>
             <a:pPr lvl="0"/>
@@ -10283,7 +10270,6 @@
               <a:rPr lang="en-US" dirty="0" smtClean="0"/>
               <a:t>Install Java, JDK, IDE</a:t>
             </a:r>
-            <a:endParaRPr lang="en-US" dirty="0" smtClean="0"/>
           </a:p>
           <a:p>
             <a:r>
@@ -11190,11 +11176,7 @@
             <a:pPr lvl="0"/>
             <a:r>
               <a:rPr lang="en-US" dirty="0" smtClean="0"/>
-              <a:t>Survey: </a:t>
-            </a:r>
-            <a:r>
-              <a:rPr lang="en-US" dirty="0" smtClean="0"/>
-              <a:t>/courses/</a:t>
+              <a:t>Survey: /courses/</a:t>
             </a:r>
             <a:r>
               <a:rPr lang="en-US" dirty="0" err="1" smtClean="0"/>
@@ -11227,45 +11209,39 @@
             <a:pPr lvl="0"/>
             <a:r>
               <a:rPr lang="en-US" dirty="0" smtClean="0"/>
-              <a:t>Quick questions:</a:t>
+              <a:t>Quick questions</a:t>
+            </a:r>
+            <a:r>
+              <a:rPr lang="en-US" dirty="0" smtClean="0"/>
+              <a:t>:</a:t>
             </a:r>
           </a:p>
           <a:p>
             <a:pPr lvl="1"/>
             <a:r>
               <a:rPr lang="en-US" dirty="0" smtClean="0"/>
-              <a:t>Software Engineering</a:t>
+              <a:t>Java</a:t>
             </a:r>
           </a:p>
           <a:p>
             <a:pPr lvl="1"/>
             <a:r>
               <a:rPr lang="en-US" dirty="0" smtClean="0"/>
-              <a:t>Agile &amp; Scrum</a:t>
+              <a:t>Programming experience</a:t>
             </a:r>
           </a:p>
           <a:p>
             <a:pPr lvl="1"/>
             <a:r>
               <a:rPr lang="en-US" dirty="0" smtClean="0"/>
-              <a:t>Web, HTTP, HTML, Ruby On Rails,</a:t>
-            </a:r>
-            <a:endParaRPr lang="en-US" dirty="0"/>
-          </a:p>
-          <a:p>
-            <a:pPr lvl="1"/>
-            <a:r>
-              <a:rPr lang="en-US" dirty="0" smtClean="0"/>
-              <a:t>User Experience</a:t>
-            </a:r>
-          </a:p>
-          <a:p>
-            <a:pPr lvl="1"/>
-            <a:r>
-              <a:rPr lang="en-US" dirty="0" smtClean="0"/>
-              <a:t>Clean Code</a:t>
-            </a:r>
-            <a:endParaRPr lang="en-US" dirty="0"/>
+              <a:t>OOP Experience</a:t>
+            </a:r>
+          </a:p>
+          <a:p>
+            <a:pPr marL="457200" lvl="1" indent="0">
+              <a:buNone/>
+            </a:pPr>
+            <a:endParaRPr lang="en-US" dirty="0" smtClean="0"/>
           </a:p>
         </p:txBody>
       </p:sp>
@@ -11395,11 +11371,7 @@
           <a:p>
             <a:r>
               <a:rPr lang="en-US" dirty="0" smtClean="0"/>
-              <a:t>Today’s </a:t>
-            </a:r>
-            <a:r>
-              <a:rPr lang="en-US" dirty="0" smtClean="0"/>
-              <a:t>topic: Java Overview</a:t>
+              <a:t>Today’s topic: Java Overview</a:t>
             </a:r>
             <a:endParaRPr lang="en-US" dirty="0"/>
           </a:p>

--- a/courses/oopjava/lecture1.pptx
+++ b/courses/oopjava/lecture1.pptx
@@ -166,7 +166,7 @@
   </p:defaultTextStyle>
   <p:extLst>
     <p:ext uri="{EFAFB233-063F-42B5-8137-9DF3F51BA10A}">
-      <p15:sldGuideLst xmlns="" xmlns:p15="http://schemas.microsoft.com/office/powerpoint/2012/main">
+      <p15:sldGuideLst xmlns:p15="http://schemas.microsoft.com/office/powerpoint/2012/main">
         <p15:guide id="1" orient="horz" pos="2160">
           <p15:clr>
             <a:srgbClr val="A4A3A4"/>
@@ -266,7 +266,7 @@
             <a:fld id="{CB44B6B1-5441-9644-AE1C-BB7EA5DBA264}" type="datetimeFigureOut">
               <a:rPr lang="en-US" smtClean="0"/>
               <a:pPr/>
-              <a:t>8/25/17</a:t>
+              <a:t>9/14/18</a:t>
             </a:fld>
             <a:endParaRPr lang="en-US"/>
           </a:p>
@@ -434,7 +434,7 @@
             <a:fld id="{41878819-472C-A14B-95BF-39C94BA106B2}" type="datetimeFigureOut">
               <a:rPr lang="en-US" smtClean="0"/>
               <a:pPr/>
-              <a:t>8/25/17</a:t>
+              <a:t>9/14/18</a:t>
             </a:fld>
             <a:endParaRPr lang="en-US"/>
           </a:p>
@@ -500,35 +500,35 @@
           <a:p>
             <a:pPr lvl="0"/>
             <a:r>
-              <a:rPr lang="en-GB" smtClean="0"/>
+              <a:rPr lang="en-GB"/>
               <a:t>Click to edit Master text styles</a:t>
             </a:r>
           </a:p>
           <a:p>
             <a:pPr lvl="1"/>
             <a:r>
-              <a:rPr lang="en-GB" smtClean="0"/>
+              <a:rPr lang="en-GB"/>
               <a:t>Second level</a:t>
             </a:r>
           </a:p>
           <a:p>
             <a:pPr lvl="2"/>
             <a:r>
-              <a:rPr lang="en-GB" smtClean="0"/>
+              <a:rPr lang="en-GB"/>
               <a:t>Third level</a:t>
             </a:r>
           </a:p>
           <a:p>
             <a:pPr lvl="3"/>
             <a:r>
-              <a:rPr lang="en-GB" smtClean="0"/>
+              <a:rPr lang="en-GB"/>
               <a:t>Fourth level</a:t>
             </a:r>
           </a:p>
           <a:p>
             <a:pPr lvl="4"/>
             <a:r>
-              <a:rPr lang="en-GB" smtClean="0"/>
+              <a:rPr lang="en-GB"/>
               <a:t>Fifth level</a:t>
             </a:r>
             <a:endParaRPr lang="en-US"/>
@@ -812,7 +812,7 @@
           <a:lstStyle/>
           <a:p>
             <a:r>
-              <a:rPr lang="en-GB" smtClean="0"/>
+              <a:rPr lang="en-GB"/>
               <a:t>Click to edit Master title style</a:t>
             </a:r>
             <a:endParaRPr lang="en-US"/>
@@ -934,7 +934,7 @@
           </a:lstStyle>
           <a:p>
             <a:r>
-              <a:rPr lang="en-GB" smtClean="0"/>
+              <a:rPr lang="en-GB"/>
               <a:t>Click to edit Master subtitle style</a:t>
             </a:r>
             <a:endParaRPr lang="en-US"/>
@@ -957,10 +957,9 @@
           <a:lstStyle/>
           <a:p>
             <a:r>
-              <a:rPr lang="en-US" dirty="0" smtClean="0"/>
+              <a:rPr lang="en-US" dirty="0"/>
               <a:t>Lecture 1: Course Introduction</a:t>
             </a:r>
-            <a:endParaRPr lang="en-US" dirty="0"/>
           </a:p>
         </p:txBody>
       </p:sp>
@@ -980,8 +979,8 @@
           <a:lstStyle/>
           <a:p>
             <a:r>
-              <a:rPr lang="en-GB" dirty="0" smtClean="0"/>
-              <a:t>23/08/2017</a:t>
+              <a:rPr lang="en-GB" dirty="0"/>
+              <a:t>14/09/2018</a:t>
             </a:r>
             <a:endParaRPr lang="en-US" dirty="0"/>
           </a:p>
@@ -1015,16 +1014,9 @@
   <p:clrMapOvr>
     <a:masterClrMapping/>
   </p:clrMapOvr>
-  <p:transition xmlns:p14="http://schemas.microsoft.com/office/powerpoint/2010/main" spd="med">
+  <p:transition spd="med">
     <p:wipe dir="r"/>
   </p:transition>
-  <p:timing>
-    <p:tnLst>
-      <p:par>
-        <p:cTn xmlns:p14="http://schemas.microsoft.com/office/powerpoint/2010/main" id="1" dur="indefinite" restart="never" nodeType="tmRoot"/>
-      </p:par>
-    </p:tnLst>
-  </p:timing>
 </p:sldLayout>
 </file>
 
@@ -1061,7 +1053,7 @@
           <a:lstStyle/>
           <a:p>
             <a:r>
-              <a:rPr lang="en-GB" smtClean="0"/>
+              <a:rPr lang="en-GB"/>
               <a:t>Click to edit Master title style</a:t>
             </a:r>
             <a:endParaRPr lang="en-US"/>
@@ -1093,35 +1085,35 @@
           <a:p>
             <a:pPr lvl="0"/>
             <a:r>
-              <a:rPr lang="en-GB" smtClean="0"/>
+              <a:rPr lang="en-GB"/>
               <a:t>Click to edit Master text styles</a:t>
             </a:r>
           </a:p>
           <a:p>
             <a:pPr lvl="1"/>
             <a:r>
-              <a:rPr lang="en-GB" smtClean="0"/>
+              <a:rPr lang="en-GB"/>
               <a:t>Second level</a:t>
             </a:r>
           </a:p>
           <a:p>
             <a:pPr lvl="2"/>
             <a:r>
-              <a:rPr lang="en-GB" smtClean="0"/>
+              <a:rPr lang="en-GB"/>
               <a:t>Third level</a:t>
             </a:r>
           </a:p>
           <a:p>
             <a:pPr lvl="3"/>
             <a:r>
-              <a:rPr lang="en-GB" smtClean="0"/>
+              <a:rPr lang="en-GB"/>
               <a:t>Fourth level</a:t>
             </a:r>
           </a:p>
           <a:p>
             <a:pPr lvl="4"/>
             <a:r>
-              <a:rPr lang="en-GB" smtClean="0"/>
+              <a:rPr lang="en-GB"/>
               <a:t>Fifth level</a:t>
             </a:r>
             <a:endParaRPr lang="en-US"/>
@@ -1156,8 +1148,8 @@
           </a:lstStyle>
           <a:p>
             <a:r>
-              <a:rPr lang="en-GB" dirty="0" smtClean="0"/>
-              <a:t>23/08/2017</a:t>
+              <a:rPr lang="en-GB" dirty="0"/>
+              <a:t>14/09/2018</a:t>
             </a:r>
             <a:endParaRPr lang="en-US" dirty="0"/>
           </a:p>
@@ -1194,10 +1186,9 @@
               <a:defRPr/>
             </a:pPr>
             <a:r>
-              <a:rPr lang="en-US" dirty="0" smtClean="0"/>
+              <a:rPr lang="en-US" dirty="0"/>
               <a:t>Lecture 1: Course Introduction</a:t>
             </a:r>
-            <a:endParaRPr lang="en-US" dirty="0"/>
           </a:p>
         </p:txBody>
       </p:sp>
@@ -1247,16 +1238,9 @@
   <p:clrMapOvr>
     <a:masterClrMapping/>
   </p:clrMapOvr>
-  <p:transition xmlns:p14="http://schemas.microsoft.com/office/powerpoint/2010/main" spd="med">
+  <p:transition spd="med">
     <p:wipe dir="r"/>
   </p:transition>
-  <p:timing>
-    <p:tnLst>
-      <p:par>
-        <p:cTn xmlns:p14="http://schemas.microsoft.com/office/powerpoint/2010/main" id="1" dur="indefinite" restart="never" nodeType="tmRoot"/>
-      </p:par>
-    </p:tnLst>
-  </p:timing>
 </p:sldLayout>
 </file>
 
@@ -1298,7 +1282,7 @@
           <a:lstStyle/>
           <a:p>
             <a:r>
-              <a:rPr lang="en-GB" smtClean="0"/>
+              <a:rPr lang="en-GB"/>
               <a:t>Click to edit Master title style</a:t>
             </a:r>
             <a:endParaRPr lang="en-US"/>
@@ -1330,35 +1314,35 @@
           <a:p>
             <a:pPr lvl="0"/>
             <a:r>
-              <a:rPr lang="en-GB" smtClean="0"/>
+              <a:rPr lang="en-GB"/>
               <a:t>Click to edit Master text styles</a:t>
             </a:r>
           </a:p>
           <a:p>
             <a:pPr lvl="1"/>
             <a:r>
-              <a:rPr lang="en-GB" smtClean="0"/>
+              <a:rPr lang="en-GB"/>
               <a:t>Second level</a:t>
             </a:r>
           </a:p>
           <a:p>
             <a:pPr lvl="2"/>
             <a:r>
-              <a:rPr lang="en-GB" smtClean="0"/>
+              <a:rPr lang="en-GB"/>
               <a:t>Third level</a:t>
             </a:r>
           </a:p>
           <a:p>
             <a:pPr lvl="3"/>
             <a:r>
-              <a:rPr lang="en-GB" smtClean="0"/>
+              <a:rPr lang="en-GB"/>
               <a:t>Fourth level</a:t>
             </a:r>
           </a:p>
           <a:p>
             <a:pPr lvl="4"/>
             <a:r>
-              <a:rPr lang="en-GB" smtClean="0"/>
+              <a:rPr lang="en-GB"/>
               <a:t>Fifth level</a:t>
             </a:r>
             <a:endParaRPr lang="en-US"/>
@@ -1393,8 +1377,8 @@
           </a:lstStyle>
           <a:p>
             <a:r>
-              <a:rPr lang="en-GB" dirty="0" smtClean="0"/>
-              <a:t>23/08/2017</a:t>
+              <a:rPr lang="en-GB" dirty="0"/>
+              <a:t>14/09/2018</a:t>
             </a:r>
             <a:endParaRPr lang="en-US" dirty="0"/>
           </a:p>
@@ -1431,10 +1415,9 @@
               <a:defRPr/>
             </a:pPr>
             <a:r>
-              <a:rPr lang="en-US" dirty="0" smtClean="0"/>
+              <a:rPr lang="en-US" dirty="0"/>
               <a:t>Lecture 1: Course Introduction</a:t>
             </a:r>
-            <a:endParaRPr lang="en-US" dirty="0"/>
           </a:p>
         </p:txBody>
       </p:sp>
@@ -1469,7 +1452,7 @@
               <a:defRPr/>
             </a:pPr>
             <a:r>
-              <a:rPr lang="en-GB" smtClean="0"/>
+              <a:rPr lang="en-GB"/>
               <a:t>Presentation title - </a:t>
             </a:r>
             <a:fld id="{DA4E4A1D-F72B-1945-8E69-DB5636470060}" type="slidenum">
@@ -1488,16 +1471,9 @@
   <p:clrMapOvr>
     <a:masterClrMapping/>
   </p:clrMapOvr>
-  <p:transition xmlns:p14="http://schemas.microsoft.com/office/powerpoint/2010/main" spd="med">
+  <p:transition spd="med">
     <p:wipe dir="r"/>
   </p:transition>
-  <p:timing>
-    <p:tnLst>
-      <p:par>
-        <p:cTn xmlns:p14="http://schemas.microsoft.com/office/powerpoint/2010/main" id="1" dur="indefinite" restart="never" nodeType="tmRoot"/>
-      </p:par>
-    </p:tnLst>
-  </p:timing>
 </p:sldLayout>
 </file>
 
@@ -1534,7 +1510,7 @@
           <a:lstStyle/>
           <a:p>
             <a:r>
-              <a:rPr lang="en-GB" smtClean="0"/>
+              <a:rPr lang="en-GB"/>
               <a:t>Click to edit Master title style</a:t>
             </a:r>
             <a:endParaRPr lang="en-US" dirty="0"/>
@@ -1628,35 +1604,35 @@
           <a:p>
             <a:pPr lvl="0"/>
             <a:r>
-              <a:rPr lang="en-GB" smtClean="0"/>
+              <a:rPr lang="en-GB"/>
               <a:t>Click to edit Master text styles</a:t>
             </a:r>
           </a:p>
           <a:p>
             <a:pPr lvl="1"/>
             <a:r>
-              <a:rPr lang="en-GB" smtClean="0"/>
+              <a:rPr lang="en-GB"/>
               <a:t>Second level</a:t>
             </a:r>
           </a:p>
           <a:p>
             <a:pPr lvl="2"/>
             <a:r>
-              <a:rPr lang="en-GB" smtClean="0"/>
+              <a:rPr lang="en-GB"/>
               <a:t>Third level</a:t>
             </a:r>
           </a:p>
           <a:p>
             <a:pPr lvl="3"/>
             <a:r>
-              <a:rPr lang="en-GB" smtClean="0"/>
+              <a:rPr lang="en-GB"/>
               <a:t>Fourth level</a:t>
             </a:r>
           </a:p>
           <a:p>
             <a:pPr lvl="4"/>
             <a:r>
-              <a:rPr lang="en-GB" smtClean="0"/>
+              <a:rPr lang="en-GB"/>
               <a:t>Fifth level</a:t>
             </a:r>
             <a:endParaRPr lang="en-US" dirty="0"/>
@@ -1679,10 +1655,9 @@
           <a:lstStyle/>
           <a:p>
             <a:r>
-              <a:rPr lang="en-US" dirty="0" smtClean="0"/>
+              <a:rPr lang="en-US" dirty="0"/>
               <a:t>Lecture 1: Course Introduction</a:t>
             </a:r>
-            <a:endParaRPr lang="en-US" dirty="0"/>
           </a:p>
         </p:txBody>
       </p:sp>
@@ -1702,8 +1677,8 @@
           <a:lstStyle/>
           <a:p>
             <a:r>
-              <a:rPr lang="mr-IN" dirty="0" smtClean="0"/>
-              <a:t>23/08/2017</a:t>
+              <a:rPr lang="mr-IN" dirty="0"/>
+              <a:t>14/09/2018</a:t>
             </a:r>
             <a:endParaRPr lang="en-US" dirty="0"/>
           </a:p>
@@ -1737,16 +1712,9 @@
   <p:clrMapOvr>
     <a:masterClrMapping/>
   </p:clrMapOvr>
-  <p:transition xmlns:p14="http://schemas.microsoft.com/office/powerpoint/2010/main" spd="med">
+  <p:transition spd="med">
     <p:wipe dir="r"/>
   </p:transition>
-  <p:timing>
-    <p:tnLst>
-      <p:par>
-        <p:cTn xmlns:p14="http://schemas.microsoft.com/office/powerpoint/2010/main" id="1" dur="indefinite" restart="never" nodeType="tmRoot"/>
-      </p:par>
-    </p:tnLst>
-  </p:timing>
 </p:sldLayout>
 </file>
 
@@ -1792,7 +1760,7 @@
           </a:lstStyle>
           <a:p>
             <a:r>
-              <a:rPr lang="en-GB" smtClean="0"/>
+              <a:rPr lang="en-GB"/>
               <a:t>Click to edit Master title style</a:t>
             </a:r>
             <a:endParaRPr lang="en-US"/>
@@ -1915,7 +1883,7 @@
           <a:p>
             <a:pPr lvl="0"/>
             <a:r>
-              <a:rPr lang="en-GB" smtClean="0"/>
+              <a:rPr lang="en-GB"/>
               <a:t>Click to edit Master text styles</a:t>
             </a:r>
           </a:p>
@@ -1952,8 +1920,8 @@
               <a:defRPr/>
             </a:pPr>
             <a:r>
-              <a:rPr lang="mr-IN" dirty="0" smtClean="0"/>
-              <a:t>23/08/2017</a:t>
+              <a:rPr lang="mr-IN" dirty="0"/>
+              <a:t>14/09/2018</a:t>
             </a:r>
             <a:endParaRPr lang="en-US" dirty="0"/>
           </a:p>
@@ -1990,10 +1958,9 @@
               <a:defRPr/>
             </a:pPr>
             <a:r>
-              <a:rPr lang="en-US" dirty="0" smtClean="0"/>
+              <a:rPr lang="en-US" dirty="0"/>
               <a:t>Lecture 1: Course Introduction</a:t>
             </a:r>
-            <a:endParaRPr lang="en-US" dirty="0"/>
           </a:p>
         </p:txBody>
       </p:sp>
@@ -2043,16 +2010,9 @@
   <p:clrMapOvr>
     <a:masterClrMapping/>
   </p:clrMapOvr>
-  <p:transition xmlns:p14="http://schemas.microsoft.com/office/powerpoint/2010/main" spd="med">
+  <p:transition spd="med">
     <p:wipe dir="r"/>
   </p:transition>
-  <p:timing>
-    <p:tnLst>
-      <p:par>
-        <p:cTn xmlns:p14="http://schemas.microsoft.com/office/powerpoint/2010/main" id="1" dur="indefinite" restart="never" nodeType="tmRoot"/>
-      </p:par>
-    </p:tnLst>
-  </p:timing>
 </p:sldLayout>
 </file>
 
@@ -2089,7 +2049,7 @@
           <a:lstStyle/>
           <a:p>
             <a:r>
-              <a:rPr lang="en-GB" smtClean="0"/>
+              <a:rPr lang="en-GB"/>
               <a:t>Click to edit Master title style</a:t>
             </a:r>
             <a:endParaRPr lang="en-US"/>
@@ -2149,35 +2109,35 @@
           <a:p>
             <a:pPr lvl="0"/>
             <a:r>
-              <a:rPr lang="en-GB" smtClean="0"/>
+              <a:rPr lang="en-GB"/>
               <a:t>Click to edit Master text styles</a:t>
             </a:r>
           </a:p>
           <a:p>
             <a:pPr lvl="1"/>
             <a:r>
-              <a:rPr lang="en-GB" smtClean="0"/>
+              <a:rPr lang="en-GB"/>
               <a:t>Second level</a:t>
             </a:r>
           </a:p>
           <a:p>
             <a:pPr lvl="2"/>
             <a:r>
-              <a:rPr lang="en-GB" smtClean="0"/>
+              <a:rPr lang="en-GB"/>
               <a:t>Third level</a:t>
             </a:r>
           </a:p>
           <a:p>
             <a:pPr lvl="3"/>
             <a:r>
-              <a:rPr lang="en-GB" smtClean="0"/>
+              <a:rPr lang="en-GB"/>
               <a:t>Fourth level</a:t>
             </a:r>
           </a:p>
           <a:p>
             <a:pPr lvl="4"/>
             <a:r>
-              <a:rPr lang="en-GB" smtClean="0"/>
+              <a:rPr lang="en-GB"/>
               <a:t>Fifth level</a:t>
             </a:r>
             <a:endParaRPr lang="en-US"/>
@@ -2237,35 +2197,35 @@
           <a:p>
             <a:pPr lvl="0"/>
             <a:r>
-              <a:rPr lang="en-GB" smtClean="0"/>
+              <a:rPr lang="en-GB"/>
               <a:t>Click to edit Master text styles</a:t>
             </a:r>
           </a:p>
           <a:p>
             <a:pPr lvl="1"/>
             <a:r>
-              <a:rPr lang="en-GB" smtClean="0"/>
+              <a:rPr lang="en-GB"/>
               <a:t>Second level</a:t>
             </a:r>
           </a:p>
           <a:p>
             <a:pPr lvl="2"/>
             <a:r>
-              <a:rPr lang="en-GB" smtClean="0"/>
+              <a:rPr lang="en-GB"/>
               <a:t>Third level</a:t>
             </a:r>
           </a:p>
           <a:p>
             <a:pPr lvl="3"/>
             <a:r>
-              <a:rPr lang="en-GB" smtClean="0"/>
+              <a:rPr lang="en-GB"/>
               <a:t>Fourth level</a:t>
             </a:r>
           </a:p>
           <a:p>
             <a:pPr lvl="4"/>
             <a:r>
-              <a:rPr lang="en-GB" smtClean="0"/>
+              <a:rPr lang="en-GB"/>
               <a:t>Fifth level</a:t>
             </a:r>
             <a:endParaRPr lang="en-US"/>
@@ -2303,8 +2263,8 @@
               <a:defRPr/>
             </a:pPr>
             <a:r>
-              <a:rPr lang="mr-IN" dirty="0" smtClean="0"/>
-              <a:t>23/08/2017</a:t>
+              <a:rPr lang="mr-IN" dirty="0"/>
+              <a:t>14/09/2018</a:t>
             </a:r>
             <a:endParaRPr lang="en-US" dirty="0"/>
           </a:p>
@@ -2341,10 +2301,9 @@
               <a:defRPr/>
             </a:pPr>
             <a:r>
-              <a:rPr lang="en-US" dirty="0" smtClean="0"/>
+              <a:rPr lang="en-US" dirty="0"/>
               <a:t>Lecture 1: Course Introduction</a:t>
             </a:r>
-            <a:endParaRPr lang="en-US" dirty="0"/>
           </a:p>
         </p:txBody>
       </p:sp>
@@ -2394,16 +2353,9 @@
   <p:clrMapOvr>
     <a:masterClrMapping/>
   </p:clrMapOvr>
-  <p:transition xmlns:p14="http://schemas.microsoft.com/office/powerpoint/2010/main" spd="med">
+  <p:transition spd="med">
     <p:wipe dir="r"/>
   </p:transition>
-  <p:timing>
-    <p:tnLst>
-      <p:par>
-        <p:cTn xmlns:p14="http://schemas.microsoft.com/office/powerpoint/2010/main" id="1" dur="indefinite" restart="never" nodeType="tmRoot"/>
-      </p:par>
-    </p:tnLst>
-  </p:timing>
 </p:sldLayout>
 </file>
 
@@ -2444,7 +2396,7 @@
           </a:lstStyle>
           <a:p>
             <a:r>
-              <a:rPr lang="en-GB" smtClean="0"/>
+              <a:rPr lang="en-GB"/>
               <a:t>Click to edit Master title style</a:t>
             </a:r>
             <a:endParaRPr lang="en-US"/>
@@ -2513,7 +2465,7 @@
           <a:p>
             <a:pPr lvl="0"/>
             <a:r>
-              <a:rPr lang="en-GB" smtClean="0"/>
+              <a:rPr lang="en-GB"/>
               <a:t>Click to edit Master text styles</a:t>
             </a:r>
           </a:p>
@@ -2572,35 +2524,35 @@
           <a:p>
             <a:pPr lvl="0"/>
             <a:r>
-              <a:rPr lang="en-GB" smtClean="0"/>
+              <a:rPr lang="en-GB"/>
               <a:t>Click to edit Master text styles</a:t>
             </a:r>
           </a:p>
           <a:p>
             <a:pPr lvl="1"/>
             <a:r>
-              <a:rPr lang="en-GB" smtClean="0"/>
+              <a:rPr lang="en-GB"/>
               <a:t>Second level</a:t>
             </a:r>
           </a:p>
           <a:p>
             <a:pPr lvl="2"/>
             <a:r>
-              <a:rPr lang="en-GB" smtClean="0"/>
+              <a:rPr lang="en-GB"/>
               <a:t>Third level</a:t>
             </a:r>
           </a:p>
           <a:p>
             <a:pPr lvl="3"/>
             <a:r>
-              <a:rPr lang="en-GB" smtClean="0"/>
+              <a:rPr lang="en-GB"/>
               <a:t>Fourth level</a:t>
             </a:r>
           </a:p>
           <a:p>
             <a:pPr lvl="4"/>
             <a:r>
-              <a:rPr lang="en-GB" smtClean="0"/>
+              <a:rPr lang="en-GB"/>
               <a:t>Fifth level</a:t>
             </a:r>
             <a:endParaRPr lang="en-US"/>
@@ -2669,7 +2621,7 @@
           <a:p>
             <a:pPr lvl="0"/>
             <a:r>
-              <a:rPr lang="en-GB" smtClean="0"/>
+              <a:rPr lang="en-GB"/>
               <a:t>Click to edit Master text styles</a:t>
             </a:r>
           </a:p>
@@ -2728,35 +2680,35 @@
           <a:p>
             <a:pPr lvl="0"/>
             <a:r>
-              <a:rPr lang="en-GB" smtClean="0"/>
+              <a:rPr lang="en-GB"/>
               <a:t>Click to edit Master text styles</a:t>
             </a:r>
           </a:p>
           <a:p>
             <a:pPr lvl="1"/>
             <a:r>
-              <a:rPr lang="en-GB" smtClean="0"/>
+              <a:rPr lang="en-GB"/>
               <a:t>Second level</a:t>
             </a:r>
           </a:p>
           <a:p>
             <a:pPr lvl="2"/>
             <a:r>
-              <a:rPr lang="en-GB" smtClean="0"/>
+              <a:rPr lang="en-GB"/>
               <a:t>Third level</a:t>
             </a:r>
           </a:p>
           <a:p>
             <a:pPr lvl="3"/>
             <a:r>
-              <a:rPr lang="en-GB" smtClean="0"/>
+              <a:rPr lang="en-GB"/>
               <a:t>Fourth level</a:t>
             </a:r>
           </a:p>
           <a:p>
             <a:pPr lvl="4"/>
             <a:r>
-              <a:rPr lang="en-GB" smtClean="0"/>
+              <a:rPr lang="en-GB"/>
               <a:t>Fifth level</a:t>
             </a:r>
             <a:endParaRPr lang="en-US"/>
@@ -2794,8 +2746,8 @@
               <a:defRPr/>
             </a:pPr>
             <a:r>
-              <a:rPr lang="mr-IN" dirty="0" smtClean="0"/>
-              <a:t>23/08/2017</a:t>
+              <a:rPr lang="mr-IN" dirty="0"/>
+              <a:t>14/09/2018</a:t>
             </a:r>
             <a:endParaRPr lang="en-US" dirty="0"/>
           </a:p>
@@ -2832,10 +2784,9 @@
               <a:defRPr/>
             </a:pPr>
             <a:r>
-              <a:rPr lang="en-US" dirty="0" smtClean="0"/>
+              <a:rPr lang="en-US" dirty="0"/>
               <a:t>Lecture 1: Course Introduction</a:t>
             </a:r>
-            <a:endParaRPr lang="en-US" dirty="0"/>
           </a:p>
         </p:txBody>
       </p:sp>
@@ -2885,16 +2836,9 @@
   <p:clrMapOvr>
     <a:masterClrMapping/>
   </p:clrMapOvr>
-  <p:transition xmlns:p14="http://schemas.microsoft.com/office/powerpoint/2010/main" spd="med">
+  <p:transition spd="med">
     <p:wipe dir="r"/>
   </p:transition>
-  <p:timing>
-    <p:tnLst>
-      <p:par>
-        <p:cTn xmlns:p14="http://schemas.microsoft.com/office/powerpoint/2010/main" id="1" dur="indefinite" restart="never" nodeType="tmRoot"/>
-      </p:par>
-    </p:tnLst>
-  </p:timing>
 </p:sldLayout>
 </file>
 
@@ -2931,7 +2875,7 @@
           <a:lstStyle/>
           <a:p>
             <a:r>
-              <a:rPr lang="en-GB" smtClean="0"/>
+              <a:rPr lang="en-GB"/>
               <a:t>Click to edit Master title style</a:t>
             </a:r>
             <a:endParaRPr lang="en-US"/>
@@ -2969,10 +2913,10 @@
               <a:defRPr/>
             </a:pPr>
             <a:r>
-              <a:rPr lang="en-GB" dirty="0" smtClean="0"/>
-              <a:t>23/08/2017</a:t>
-            </a:r>
-            <a:endParaRPr lang="en-US" dirty="0" smtClean="0"/>
+              <a:rPr lang="en-GB" dirty="0"/>
+              <a:t>14/09/2018</a:t>
+            </a:r>
+            <a:endParaRPr lang="en-US" dirty="0"/>
           </a:p>
         </p:txBody>
       </p:sp>
@@ -3007,10 +2951,9 @@
               <a:defRPr/>
             </a:pPr>
             <a:r>
-              <a:rPr lang="en-US" dirty="0" smtClean="0"/>
+              <a:rPr lang="en-US" dirty="0"/>
               <a:t>Lecture 1: Course Introduction</a:t>
             </a:r>
-            <a:endParaRPr lang="en-US" dirty="0"/>
           </a:p>
         </p:txBody>
       </p:sp>
@@ -3060,16 +3003,9 @@
   <p:clrMapOvr>
     <a:masterClrMapping/>
   </p:clrMapOvr>
-  <p:transition xmlns:p14="http://schemas.microsoft.com/office/powerpoint/2010/main" spd="med">
+  <p:transition spd="med">
     <p:wipe dir="r"/>
   </p:transition>
-  <p:timing>
-    <p:tnLst>
-      <p:par>
-        <p:cTn xmlns:p14="http://schemas.microsoft.com/office/powerpoint/2010/main" id="1" dur="indefinite" restart="never" nodeType="tmRoot"/>
-      </p:par>
-    </p:tnLst>
-  </p:timing>
 </p:sldLayout>
 </file>
 
@@ -3118,8 +3054,8 @@
           </a:lstStyle>
           <a:p>
             <a:r>
-              <a:rPr lang="en-GB" dirty="0" smtClean="0"/>
-              <a:t>23/08/2017</a:t>
+              <a:rPr lang="en-GB" dirty="0"/>
+              <a:t>14/09/2018</a:t>
             </a:r>
             <a:endParaRPr lang="en-US" dirty="0"/>
           </a:p>
@@ -3156,10 +3092,9 @@
               <a:defRPr/>
             </a:pPr>
             <a:r>
-              <a:rPr lang="en-US" dirty="0" smtClean="0"/>
+              <a:rPr lang="en-US" dirty="0"/>
               <a:t>Lecture 1: Course Introduction</a:t>
             </a:r>
-            <a:endParaRPr lang="en-US" dirty="0"/>
           </a:p>
         </p:txBody>
       </p:sp>
@@ -3209,16 +3144,9 @@
   <p:clrMapOvr>
     <a:masterClrMapping/>
   </p:clrMapOvr>
-  <p:transition xmlns:p14="http://schemas.microsoft.com/office/powerpoint/2010/main" spd="med">
+  <p:transition spd="med">
     <p:wipe dir="r"/>
   </p:transition>
-  <p:timing>
-    <p:tnLst>
-      <p:par>
-        <p:cTn xmlns:p14="http://schemas.microsoft.com/office/powerpoint/2010/main" id="1" dur="indefinite" restart="never" nodeType="tmRoot"/>
-      </p:par>
-    </p:tnLst>
-  </p:timing>
 </p:sldLayout>
 </file>
 
@@ -3264,7 +3192,7 @@
           </a:lstStyle>
           <a:p>
             <a:r>
-              <a:rPr lang="en-GB" smtClean="0"/>
+              <a:rPr lang="en-GB"/>
               <a:t>Click to edit Master title style</a:t>
             </a:r>
             <a:endParaRPr lang="en-US"/>
@@ -3324,35 +3252,35 @@
           <a:p>
             <a:pPr lvl="0"/>
             <a:r>
-              <a:rPr lang="en-GB" smtClean="0"/>
+              <a:rPr lang="en-GB"/>
               <a:t>Click to edit Master text styles</a:t>
             </a:r>
           </a:p>
           <a:p>
             <a:pPr lvl="1"/>
             <a:r>
-              <a:rPr lang="en-GB" smtClean="0"/>
+              <a:rPr lang="en-GB"/>
               <a:t>Second level</a:t>
             </a:r>
           </a:p>
           <a:p>
             <a:pPr lvl="2"/>
             <a:r>
-              <a:rPr lang="en-GB" smtClean="0"/>
+              <a:rPr lang="en-GB"/>
               <a:t>Third level</a:t>
             </a:r>
           </a:p>
           <a:p>
             <a:pPr lvl="3"/>
             <a:r>
-              <a:rPr lang="en-GB" smtClean="0"/>
+              <a:rPr lang="en-GB"/>
               <a:t>Fourth level</a:t>
             </a:r>
           </a:p>
           <a:p>
             <a:pPr lvl="4"/>
             <a:r>
-              <a:rPr lang="en-GB" smtClean="0"/>
+              <a:rPr lang="en-GB"/>
               <a:t>Fifth level</a:t>
             </a:r>
             <a:endParaRPr lang="en-US"/>
@@ -3421,7 +3349,7 @@
           <a:p>
             <a:pPr lvl="0"/>
             <a:r>
-              <a:rPr lang="en-GB" smtClean="0"/>
+              <a:rPr lang="en-GB"/>
               <a:t>Click to edit Master text styles</a:t>
             </a:r>
           </a:p>
@@ -3455,8 +3383,8 @@
           </a:lstStyle>
           <a:p>
             <a:r>
-              <a:rPr lang="en-GB" dirty="0" smtClean="0"/>
-              <a:t>23/08/2017</a:t>
+              <a:rPr lang="en-GB" dirty="0"/>
+              <a:t>14/09/2018</a:t>
             </a:r>
             <a:endParaRPr lang="en-US" dirty="0"/>
           </a:p>
@@ -3493,10 +3421,9 @@
               <a:defRPr/>
             </a:pPr>
             <a:r>
-              <a:rPr lang="en-US" dirty="0" smtClean="0"/>
+              <a:rPr lang="en-US" dirty="0"/>
               <a:t>Lecture 1: Course Introduction</a:t>
             </a:r>
-            <a:endParaRPr lang="en-US" dirty="0"/>
           </a:p>
         </p:txBody>
       </p:sp>
@@ -3546,16 +3473,9 @@
   <p:clrMapOvr>
     <a:masterClrMapping/>
   </p:clrMapOvr>
-  <p:transition xmlns:p14="http://schemas.microsoft.com/office/powerpoint/2010/main" spd="med">
+  <p:transition spd="med">
     <p:wipe dir="r"/>
   </p:transition>
-  <p:timing>
-    <p:tnLst>
-      <p:par>
-        <p:cTn xmlns:p14="http://schemas.microsoft.com/office/powerpoint/2010/main" id="1" dur="indefinite" restart="never" nodeType="tmRoot"/>
-      </p:par>
-    </p:tnLst>
-  </p:timing>
 </p:sldLayout>
 </file>
 
@@ -3601,7 +3521,7 @@
           </a:lstStyle>
           <a:p>
             <a:r>
-              <a:rPr lang="en-GB" smtClean="0"/>
+              <a:rPr lang="en-GB"/>
               <a:t>Click to edit Master title style</a:t>
             </a:r>
             <a:endParaRPr lang="en-US"/>
@@ -3670,7 +3590,7 @@
           <a:p>
             <a:pPr lvl="0"/>
             <a:r>
-              <a:rPr lang="en-GB" noProof="0" smtClean="0"/>
+              <a:rPr lang="en-GB" noProof="0"/>
               <a:t>Drag picture to placeholder or click icon to add</a:t>
             </a:r>
             <a:endParaRPr lang="en-US" noProof="0"/>
@@ -3739,7 +3659,7 @@
           <a:p>
             <a:pPr lvl="0"/>
             <a:r>
-              <a:rPr lang="en-GB" smtClean="0"/>
+              <a:rPr lang="en-GB"/>
               <a:t>Click to edit Master text styles</a:t>
             </a:r>
           </a:p>
@@ -3773,8 +3693,8 @@
           </a:lstStyle>
           <a:p>
             <a:r>
-              <a:rPr lang="en-GB" dirty="0" smtClean="0"/>
-              <a:t>23/08/2017</a:t>
+              <a:rPr lang="en-GB" dirty="0"/>
+              <a:t>14/09/2018</a:t>
             </a:r>
             <a:endParaRPr lang="en-US" dirty="0"/>
           </a:p>
@@ -3811,10 +3731,9 @@
               <a:defRPr/>
             </a:pPr>
             <a:r>
-              <a:rPr lang="en-US" dirty="0" smtClean="0"/>
+              <a:rPr lang="en-US" dirty="0"/>
               <a:t>Lecture 1: Course Introduction</a:t>
             </a:r>
-            <a:endParaRPr lang="en-US" dirty="0"/>
           </a:p>
         </p:txBody>
       </p:sp>
@@ -3864,16 +3783,9 @@
   <p:clrMapOvr>
     <a:masterClrMapping/>
   </p:clrMapOvr>
-  <p:transition xmlns:p14="http://schemas.microsoft.com/office/powerpoint/2010/main" spd="med">
+  <p:transition spd="med">
     <p:wipe dir="r"/>
   </p:transition>
-  <p:timing>
-    <p:tnLst>
-      <p:par>
-        <p:cTn xmlns:p14="http://schemas.microsoft.com/office/powerpoint/2010/main" id="1" dur="indefinite" restart="never" nodeType="tmRoot"/>
-      </p:par>
-    </p:tnLst>
-  </p:timing>
 </p:sldLayout>
 </file>
 
@@ -3935,7 +3847,7 @@
           <a:p>
             <a:pPr lvl="0"/>
             <a:r>
-              <a:rPr lang="en-GB" smtClean="0"/>
+              <a:rPr lang="en-GB"/>
               <a:t>Click to edit Master title style</a:t>
             </a:r>
             <a:endParaRPr lang="en-US" dirty="0"/>
@@ -4090,10 +4002,9 @@
           </a:lstStyle>
           <a:p>
             <a:r>
-              <a:rPr lang="en-US" dirty="0" smtClean="0"/>
+              <a:rPr lang="en-US" dirty="0"/>
               <a:t>Lecture 1: Course Introduction</a:t>
             </a:r>
-            <a:endParaRPr lang="en-US" dirty="0"/>
           </a:p>
         </p:txBody>
       </p:sp>
@@ -4131,8 +4042,8 @@
           </a:lstStyle>
           <a:p>
             <a:r>
-              <a:rPr lang="en-GB" dirty="0" smtClean="0"/>
-              <a:t>23/08/2017</a:t>
+              <a:rPr lang="en-GB" dirty="0"/>
+              <a:t>14/09/2018</a:t>
             </a:r>
             <a:endParaRPr lang="en-US" dirty="0"/>
           </a:p>
@@ -4195,16 +4106,9 @@
     <p:sldLayoutId id="2147483826" r:id="rId10"/>
     <p:sldLayoutId id="2147483827" r:id="rId11"/>
   </p:sldLayoutIdLst>
-  <p:transition xmlns:p14="http://schemas.microsoft.com/office/powerpoint/2010/main" spd="med">
+  <p:transition spd="med">
     <p:wipe dir="r"/>
   </p:transition>
-  <p:timing>
-    <p:tnLst>
-      <p:par>
-        <p:cTn xmlns:p14="http://schemas.microsoft.com/office/powerpoint/2010/main" id="1" dur="indefinite" restart="never" nodeType="tmRoot"/>
-      </p:par>
-    </p:tnLst>
-  </p:timing>
   <p:hf hdr="0"/>
   <p:txStyles>
     <p:titleStyle>
@@ -4642,7 +4546,7 @@
           <a:p>
             <a:pPr algn="ctr" eaLnBrk="1" hangingPunct="1"/>
             <a:r>
-              <a:rPr lang="en-US" dirty="0" smtClean="0"/>
+              <a:rPr lang="en-US" dirty="0"/>
               <a:t>Object-Oriented Programming with Java</a:t>
             </a:r>
           </a:p>
@@ -4677,11 +4581,11 @@
               <a:defRPr/>
             </a:pPr>
             <a:r>
-              <a:rPr lang="en-US" dirty="0" smtClean="0">
+              <a:rPr lang="en-US" dirty="0">
                 <a:ea typeface="+mn-ea"/>
                 <a:cs typeface="+mn-cs"/>
               </a:rPr>
-              <a:t>Mr. Than Quang Minh</a:t>
+              <a:t>Than Quang Minh</a:t>
             </a:r>
           </a:p>
           <a:p>
@@ -4694,13 +4598,13 @@
               <a:defRPr/>
             </a:pPr>
             <a:r>
-              <a:rPr lang="en-US" dirty="0" err="1" smtClean="0">
+              <a:rPr lang="en-US" dirty="0" err="1">
                 <a:ea typeface="+mn-ea"/>
                 <a:cs typeface="+mn-cs"/>
               </a:rPr>
               <a:t>thanqminh.com</a:t>
             </a:r>
-            <a:endParaRPr lang="en-US" dirty="0" smtClean="0">
+            <a:endParaRPr lang="en-US" dirty="0">
               <a:ea typeface="+mn-ea"/>
               <a:cs typeface="+mn-cs"/>
             </a:endParaRPr>
@@ -4715,20 +4619,20 @@
               <a:defRPr/>
             </a:pPr>
             <a:r>
-              <a:rPr lang="en-US" dirty="0" smtClean="0">
+              <a:rPr lang="en-US" dirty="0">
                 <a:ea typeface="+mn-ea"/>
                 <a:cs typeface="+mn-cs"/>
               </a:rPr>
               <a:t>Course URL: /courses/</a:t>
             </a:r>
             <a:r>
-              <a:rPr lang="en-US" dirty="0" err="1" smtClean="0">
+              <a:rPr lang="en-US" dirty="0" err="1">
                 <a:ea typeface="+mn-ea"/>
                 <a:cs typeface="+mn-cs"/>
               </a:rPr>
               <a:t>oopjava</a:t>
             </a:r>
-            <a:endParaRPr lang="en-US" dirty="0" smtClean="0">
+            <a:endParaRPr lang="en-US" dirty="0">
               <a:ea typeface="+mn-ea"/>
               <a:cs typeface="+mn-cs"/>
             </a:endParaRPr>
@@ -4751,10 +4655,9 @@
           <a:lstStyle/>
           <a:p>
             <a:r>
-              <a:rPr lang="en-US" dirty="0" smtClean="0"/>
+              <a:rPr lang="en-US" dirty="0"/>
               <a:t>Lecture 1: Course Introduction</a:t>
             </a:r>
-            <a:endParaRPr lang="en-US" dirty="0"/>
           </a:p>
         </p:txBody>
       </p:sp>
@@ -4786,16 +4689,9 @@
   <p:clrMapOvr>
     <a:masterClrMapping/>
   </p:clrMapOvr>
-  <p:transition xmlns:p14="http://schemas.microsoft.com/office/powerpoint/2010/main" spd="med">
+  <p:transition spd="med">
     <p:wipe dir="r"/>
   </p:transition>
-  <p:timing>
-    <p:tnLst>
-      <p:par>
-        <p:cTn xmlns:p14="http://schemas.microsoft.com/office/powerpoint/2010/main" id="1" dur="indefinite" restart="never" nodeType="tmRoot"/>
-      </p:par>
-    </p:tnLst>
-  </p:timing>
 </p:sld>
 </file>
 
@@ -5003,16 +4899,9 @@
   <p:clrMapOvr>
     <a:masterClrMapping/>
   </p:clrMapOvr>
-  <p:transition xmlns:p14="http://schemas.microsoft.com/office/powerpoint/2010/main" spd="med">
+  <p:transition spd="med">
     <p:wipe dir="r"/>
   </p:transition>
-  <p:timing>
-    <p:tnLst>
-      <p:par>
-        <p:cTn xmlns:p14="http://schemas.microsoft.com/office/powerpoint/2010/main" id="1" dur="indefinite" restart="never" nodeType="tmRoot"/>
-      </p:par>
-    </p:tnLst>
-  </p:timing>
 </p:sld>
 </file>
 
@@ -5315,7 +5204,7 @@
           </a:p>
           <a:p>
             <a:r>
-              <a:rPr lang="en-US" dirty="0" smtClean="0">
+              <a:rPr lang="en-US" dirty="0">
                 <a:solidFill>
                   <a:srgbClr val="262626"/>
                 </a:solidFill>
@@ -5381,16 +5270,9 @@
   <p:clrMapOvr>
     <a:masterClrMapping/>
   </p:clrMapOvr>
-  <p:transition xmlns:p14="http://schemas.microsoft.com/office/powerpoint/2010/main" spd="med">
+  <p:transition spd="med">
     <p:wipe dir="r"/>
   </p:transition>
-  <p:timing>
-    <p:tnLst>
-      <p:par>
-        <p:cTn xmlns:p14="http://schemas.microsoft.com/office/powerpoint/2010/main" id="1" dur="indefinite" restart="never" nodeType="tmRoot"/>
-      </p:par>
-    </p:tnLst>
-  </p:timing>
 </p:sld>
 </file>
 
@@ -5827,7 +5709,7 @@
               </a:tabLst>
             </a:pPr>
             <a:r>
-              <a:rPr lang="en-US" dirty="0" err="1" smtClean="0">
+              <a:rPr lang="en-US" dirty="0" err="1">
                 <a:solidFill>
                   <a:srgbClr val="262626"/>
                 </a:solidFill>
@@ -5836,22 +5718,13 @@
               <a:t>PacManGui</a:t>
             </a:r>
             <a:r>
-              <a:rPr lang="en-US" dirty="0" smtClean="0">
+              <a:rPr lang="en-US" dirty="0">
                 <a:solidFill>
                   <a:srgbClr val="262626"/>
                 </a:solidFill>
                 <a:latin typeface="Calibri" charset="0"/>
               </a:rPr>
-              <a:t> </a:t>
-            </a:r>
-            <a:r>
-              <a:rPr lang="en-US" dirty="0">
-                <a:solidFill>
-                  <a:srgbClr val="262626"/>
-                </a:solidFill>
-                <a:latin typeface="Calibri" charset="0"/>
-              </a:rPr>
-              <a:t>must import the model package in order to use it.</a:t>
+              <a:t> must import the model package in order to use it.</a:t>
             </a:r>
           </a:p>
         </p:txBody>
@@ -5866,16 +5739,9 @@
   <p:clrMapOvr>
     <a:masterClrMapping/>
   </p:clrMapOvr>
-  <p:transition xmlns:p14="http://schemas.microsoft.com/office/powerpoint/2010/main" spd="med">
+  <p:transition spd="med">
     <p:wipe dir="r"/>
   </p:transition>
-  <p:timing>
-    <p:tnLst>
-      <p:par>
-        <p:cTn xmlns:p14="http://schemas.microsoft.com/office/powerpoint/2010/main" id="1" dur="indefinite" restart="never" nodeType="tmRoot"/>
-      </p:par>
-    </p:tnLst>
-  </p:timing>
 </p:sld>
 </file>
 
@@ -6021,7 +5887,7 @@
                 <a:tab pos="5486400" algn="l"/>
               </a:tabLst>
             </a:pPr>
-            <a:endParaRPr lang="en-US" dirty="0" smtClean="0">
+            <a:endParaRPr lang="en-US" dirty="0">
               <a:solidFill>
                 <a:srgbClr val="262626"/>
               </a:solidFill>
@@ -6041,22 +5907,13 @@
               </a:tabLst>
             </a:pPr>
             <a:r>
-              <a:rPr lang="en-US" dirty="0" smtClean="0">
+              <a:rPr lang="en-US" dirty="0">
                 <a:solidFill>
                   <a:srgbClr val="262626"/>
                 </a:solidFill>
                 <a:latin typeface="Calibri" charset="0"/>
               </a:rPr>
-              <a:t>Example</a:t>
-            </a:r>
-            <a:r>
-              <a:rPr lang="en-US" dirty="0">
-                <a:solidFill>
-                  <a:srgbClr val="262626"/>
-                </a:solidFill>
-                <a:latin typeface="Calibri" charset="0"/>
-              </a:rPr>
-              <a:t>:</a:t>
+              <a:t>Example:</a:t>
             </a:r>
           </a:p>
           <a:p>
@@ -6289,22 +6146,13 @@
               </a:tabLst>
             </a:pPr>
             <a:r>
-              <a:rPr lang="en-US" dirty="0" smtClean="0">
+              <a:rPr lang="en-US" dirty="0">
                 <a:solidFill>
                   <a:srgbClr val="262626"/>
                 </a:solidFill>
                 <a:latin typeface="Calibri" charset="0"/>
               </a:rPr>
-              <a:t>Importing </a:t>
-            </a:r>
-            <a:r>
-              <a:rPr lang="en-US" dirty="0">
-                <a:solidFill>
-                  <a:srgbClr val="262626"/>
-                </a:solidFill>
-                <a:latin typeface="Calibri" charset="0"/>
-              </a:rPr>
-              <a:t>single classes has high precedence:</a:t>
+              <a:t>Importing single classes has high precedence:</a:t>
             </a:r>
           </a:p>
           <a:p>
@@ -6422,16 +6270,9 @@
   <p:clrMapOvr>
     <a:masterClrMapping/>
   </p:clrMapOvr>
-  <p:transition xmlns:p14="http://schemas.microsoft.com/office/powerpoint/2010/main" spd="med">
+  <p:transition spd="med">
     <p:wipe dir="r"/>
   </p:transition>
-  <p:timing>
-    <p:tnLst>
-      <p:par>
-        <p:cTn xmlns:p14="http://schemas.microsoft.com/office/powerpoint/2010/main" id="1" dur="indefinite" restart="never" nodeType="tmRoot"/>
-      </p:par>
-    </p:tnLst>
-  </p:timing>
 </p:sld>
 </file>
 
@@ -6739,16 +6580,9 @@
   <p:clrMapOvr>
     <a:masterClrMapping/>
   </p:clrMapOvr>
-  <p:transition xmlns:p14="http://schemas.microsoft.com/office/powerpoint/2010/main" spd="med">
+  <p:transition spd="med">
     <p:wipe dir="r"/>
   </p:transition>
-  <p:timing>
-    <p:tnLst>
-      <p:par>
-        <p:cTn xmlns:p14="http://schemas.microsoft.com/office/powerpoint/2010/main" id="1" dur="indefinite" restart="never" nodeType="tmRoot"/>
-      </p:par>
-    </p:tnLst>
-  </p:timing>
 </p:sld>
 </file>
 
@@ -6856,7 +6690,7 @@
               <a:buFontTx/>
               <a:buNone/>
             </a:pPr>
-            <a:endParaRPr lang="en-US" dirty="0" smtClean="0">
+            <a:endParaRPr lang="en-US" dirty="0">
               <a:solidFill>
                 <a:srgbClr val="262626"/>
               </a:solidFill>
@@ -6869,22 +6703,13 @@
               <a:buNone/>
             </a:pPr>
             <a:r>
-              <a:rPr lang="en-US" dirty="0" smtClean="0">
+              <a:rPr lang="en-US" dirty="0">
                 <a:solidFill>
                   <a:srgbClr val="262626"/>
                 </a:solidFill>
                 <a:latin typeface="Calibri" charset="0"/>
               </a:rPr>
-              <a:t>Example</a:t>
-            </a:r>
-            <a:r>
-              <a:rPr lang="en-US" dirty="0">
-                <a:solidFill>
-                  <a:srgbClr val="262626"/>
-                </a:solidFill>
-                <a:latin typeface="Calibri" charset="0"/>
-              </a:rPr>
-              <a:t>:</a:t>
+              <a:t>Example:</a:t>
             </a:r>
           </a:p>
           <a:p>
@@ -6982,16 +6807,7 @@
                 </a:solidFill>
                 <a:latin typeface="Calibri" charset="0"/>
               </a:rPr>
-              <a:t>You can use a type from any package without importing it if you write its full name</a:t>
-            </a:r>
-            <a:r>
-              <a:rPr lang="en-US" dirty="0" smtClean="0">
-                <a:solidFill>
-                  <a:srgbClr val="262626"/>
-                </a:solidFill>
-                <a:latin typeface="Calibri" charset="0"/>
-              </a:rPr>
-              <a:t>.</a:t>
+              <a:t>You can use a type from any package without importing it if you write its full name.</a:t>
             </a:r>
             <a:endParaRPr lang="en-US" sz="1200" dirty="0">
               <a:solidFill>
@@ -7080,16 +6896,9 @@
   <p:clrMapOvr>
     <a:masterClrMapping/>
   </p:clrMapOvr>
-  <p:transition xmlns:p14="http://schemas.microsoft.com/office/powerpoint/2010/main" spd="med">
+  <p:transition spd="med">
     <p:wipe dir="r"/>
   </p:transition>
-  <p:timing>
-    <p:tnLst>
-      <p:par>
-        <p:cTn xmlns:p14="http://schemas.microsoft.com/office/powerpoint/2010/main" id="1" dur="indefinite" restart="never" nodeType="tmRoot"/>
-      </p:par>
-    </p:tnLst>
-  </p:timing>
 </p:sld>
 </file>
 
@@ -7308,16 +7117,9 @@
   <p:clrMapOvr>
     <a:masterClrMapping/>
   </p:clrMapOvr>
-  <p:transition xmlns:p14="http://schemas.microsoft.com/office/powerpoint/2010/main" spd="med">
+  <p:transition spd="med">
     <p:wipe dir="r"/>
   </p:transition>
-  <p:timing>
-    <p:tnLst>
-      <p:par>
-        <p:cTn xmlns:p14="http://schemas.microsoft.com/office/powerpoint/2010/main" id="1" dur="indefinite" restart="never" nodeType="tmRoot"/>
-      </p:par>
-    </p:tnLst>
-  </p:timing>
 </p:sld>
 </file>
 
@@ -7682,16 +7484,9 @@
   <p:clrMapOvr>
     <a:masterClrMapping/>
   </p:clrMapOvr>
-  <p:transition xmlns:p14="http://schemas.microsoft.com/office/powerpoint/2010/main" spd="med">
+  <p:transition spd="med">
     <p:wipe dir="r"/>
   </p:transition>
-  <p:timing>
-    <p:tnLst>
-      <p:par>
-        <p:cTn xmlns:p14="http://schemas.microsoft.com/office/powerpoint/2010/main" id="1" dur="indefinite" restart="never" nodeType="tmRoot"/>
-      </p:par>
-    </p:tnLst>
-  </p:timing>
 </p:sld>
 </file>
 
@@ -7787,23 +7582,8 @@
                 </a:solidFill>
                 <a:latin typeface="Calibri" charset="0"/>
               </a:rPr>
-              <a:t>Create a package for graphical "view" classes</a:t>
-            </a:r>
-            <a:r>
-              <a:rPr lang="en-US" dirty="0" smtClean="0">
-                <a:solidFill>
-                  <a:srgbClr val="404040"/>
-                </a:solidFill>
-                <a:latin typeface="Calibri" charset="0"/>
-              </a:rPr>
-              <a:t>.</a:t>
-            </a:r>
-            <a:endParaRPr lang="en-US" dirty="0">
-              <a:solidFill>
-                <a:srgbClr val="404040"/>
-              </a:solidFill>
-              <a:latin typeface="Calibri" charset="0"/>
-            </a:endParaRPr>
+              <a:t>Create a package for graphical "view" classes.</a:t>
+            </a:r>
           </a:p>
           <a:p>
             <a:pPr lvl="1"/>
@@ -7859,16 +7639,9 @@
   <p:clrMapOvr>
     <a:masterClrMapping/>
   </p:clrMapOvr>
-  <p:transition xmlns:p14="http://schemas.microsoft.com/office/powerpoint/2010/main" spd="med">
+  <p:transition spd="med">
     <p:wipe dir="r"/>
   </p:transition>
-  <p:timing>
-    <p:tnLst>
-      <p:par>
-        <p:cTn xmlns:p14="http://schemas.microsoft.com/office/powerpoint/2010/main" id="1" dur="indefinite" restart="never" nodeType="tmRoot"/>
-      </p:par>
-    </p:tnLst>
-  </p:timing>
 </p:sld>
 </file>
 
@@ -7910,7 +7683,7 @@
           <a:lstStyle/>
           <a:p>
             <a:r>
-              <a:rPr lang="en-US" sz="2800" b="1" dirty="0" smtClean="0">
+              <a:rPr lang="en-US" sz="2800" b="1" dirty="0">
                 <a:solidFill>
                   <a:srgbClr val="262626"/>
                 </a:solidFill>
@@ -7919,7 +7692,7 @@
               <a:t>JAR</a:t>
             </a:r>
             <a:r>
-              <a:rPr lang="en-US" sz="2800" dirty="0" smtClean="0">
+              <a:rPr lang="en-US" sz="2800" dirty="0">
                 <a:solidFill>
                   <a:srgbClr val="262626"/>
                 </a:solidFill>
@@ -7928,7 +7701,7 @@
               <a:t>: </a:t>
             </a:r>
             <a:r>
-              <a:rPr lang="en-US" sz="2800" b="1" dirty="0" smtClean="0">
+              <a:rPr lang="en-US" sz="2800" b="1" dirty="0">
                 <a:solidFill>
                   <a:srgbClr val="262626"/>
                 </a:solidFill>
@@ -7937,7 +7710,7 @@
               <a:t>J</a:t>
             </a:r>
             <a:r>
-              <a:rPr lang="en-US" sz="2800" dirty="0" smtClean="0">
+              <a:rPr lang="en-US" sz="2800" dirty="0">
                 <a:solidFill>
                   <a:srgbClr val="262626"/>
                 </a:solidFill>
@@ -7946,7 +7719,7 @@
               <a:t>ava </a:t>
             </a:r>
             <a:r>
-              <a:rPr lang="en-US" sz="2800" b="1" dirty="0" err="1" smtClean="0">
+              <a:rPr lang="en-US" sz="2800" b="1" dirty="0" err="1">
                 <a:solidFill>
                   <a:srgbClr val="262626"/>
                 </a:solidFill>
@@ -7955,7 +7728,7 @@
               <a:t>AR</a:t>
             </a:r>
             <a:r>
-              <a:rPr lang="en-US" sz="2800" dirty="0" err="1" smtClean="0">
+              <a:rPr lang="en-US" sz="2800" dirty="0" err="1">
                 <a:solidFill>
                   <a:srgbClr val="262626"/>
                 </a:solidFill>
@@ -7964,7 +7737,7 @@
               <a:t>chive</a:t>
             </a:r>
             <a:r>
-              <a:rPr lang="en-US" sz="2800" dirty="0" smtClean="0">
+              <a:rPr lang="en-US" sz="2800" dirty="0">
                 <a:solidFill>
                   <a:srgbClr val="262626"/>
                 </a:solidFill>
@@ -7972,7 +7745,7 @@
               </a:rPr>
               <a:t>.  A group of Java classes and supporting files combined into a single file compressed with ZIP format, and given .JAR extension.</a:t>
             </a:r>
-            <a:endParaRPr lang="en-US" sz="2800" dirty="0" smtClean="0">
+            <a:endParaRPr lang="en-US" sz="2800" dirty="0">
               <a:solidFill>
                 <a:srgbClr val="404040"/>
               </a:solidFill>
@@ -7981,7 +7754,7 @@
           </a:p>
           <a:p>
             <a:r>
-              <a:rPr lang="en-US" sz="2800" dirty="0" smtClean="0">
+              <a:rPr lang="en-US" sz="2800" dirty="0">
                 <a:solidFill>
                   <a:srgbClr val="262626"/>
                 </a:solidFill>
@@ -7993,7 +7766,7 @@
           <a:p>
             <a:pPr lvl="1"/>
             <a:r>
-              <a:rPr lang="en-US" sz="2800" dirty="0" smtClean="0">
+              <a:rPr lang="en-US" sz="2800" dirty="0">
                 <a:solidFill>
                   <a:srgbClr val="404040"/>
                 </a:solidFill>
@@ -8005,7 +7778,7 @@
           <a:p>
             <a:pPr lvl="1"/>
             <a:r>
-              <a:rPr lang="en-US" sz="2800" dirty="0" smtClean="0">
+              <a:rPr lang="en-US" sz="2800" dirty="0">
                 <a:solidFill>
                   <a:srgbClr val="404040"/>
                 </a:solidFill>
@@ -8017,7 +7790,7 @@
           <a:p>
             <a:pPr lvl="1"/>
             <a:r>
-              <a:rPr lang="en-US" sz="2800" dirty="0" smtClean="0">
+              <a:rPr lang="en-US" sz="2800" dirty="0">
                 <a:solidFill>
                   <a:srgbClr val="404040"/>
                 </a:solidFill>
@@ -8028,7 +7801,7 @@
           </a:p>
           <a:p>
             <a:r>
-              <a:rPr lang="en-US" sz="2800" dirty="0" smtClean="0">
+              <a:rPr lang="en-US" sz="2800" dirty="0">
                 <a:solidFill>
                   <a:srgbClr val="262626"/>
                 </a:solidFill>
@@ -8037,7 +7810,7 @@
               <a:t>The closest you can get to having a .exe</a:t>
             </a:r>
             <a:br>
-              <a:rPr lang="en-US" sz="2800" dirty="0" smtClean="0">
+              <a:rPr lang="en-US" sz="2800" dirty="0">
                 <a:solidFill>
                   <a:srgbClr val="262626"/>
                 </a:solidFill>
@@ -8045,7 +7818,7 @@
               </a:rPr>
             </a:br>
             <a:r>
-              <a:rPr lang="en-US" sz="2800" dirty="0" smtClean="0">
+              <a:rPr lang="en-US" sz="2800" dirty="0">
                 <a:solidFill>
                   <a:srgbClr val="262626"/>
                 </a:solidFill>
@@ -8053,12 +7826,6 @@
               </a:rPr>
               <a:t>file for your Java application.</a:t>
             </a:r>
-            <a:endParaRPr lang="en-US" sz="2800" dirty="0">
-              <a:solidFill>
-                <a:srgbClr val="262626"/>
-              </a:solidFill>
-              <a:latin typeface="Calibri" charset="0"/>
-            </a:endParaRPr>
           </a:p>
         </p:txBody>
       </p:sp>
@@ -8081,17 +7848,8 @@
               <a:rPr lang="en-US" dirty="0">
                 <a:latin typeface="Lucida Sans" charset="0"/>
               </a:rPr>
-              <a:t>JAR </a:t>
-            </a:r>
-            <a:r>
-              <a:rPr lang="en-US" dirty="0" smtClean="0">
-                <a:latin typeface="Lucida Sans" charset="0"/>
-              </a:rPr>
-              <a:t>Files</a:t>
-            </a:r>
-            <a:endParaRPr lang="en-US" dirty="0">
-              <a:latin typeface="Lucida Sans" charset="0"/>
-            </a:endParaRPr>
+              <a:t>JAR Files</a:t>
+            </a:r>
           </a:p>
         </p:txBody>
       </p:sp>
@@ -8105,7 +7863,7 @@
   <p:clrMapOvr>
     <a:masterClrMapping/>
   </p:clrMapOvr>
-  <p:transition xmlns:p14="http://schemas.microsoft.com/office/powerpoint/2010/main" spd="med">
+  <p:transition spd="med">
     <p:wipe dir="r"/>
   </p:transition>
 </p:sld>
@@ -8144,10 +7902,9 @@
           <a:lstStyle/>
           <a:p>
             <a:r>
-              <a:rPr lang="en-US" dirty="0" smtClean="0"/>
+              <a:rPr lang="en-US" dirty="0"/>
               <a:t>Course’s Content</a:t>
             </a:r>
-            <a:endParaRPr lang="en-US" dirty="0"/>
           </a:p>
         </p:txBody>
       </p:sp>
@@ -8161,48 +7918,97 @@
             <p:ph idx="1"/>
           </p:nvPr>
         </p:nvSpPr>
-        <p:spPr/>
+        <p:spPr>
+          <a:xfrm>
+            <a:off x="457200" y="1600200"/>
+            <a:ext cx="8229600" cy="4857750"/>
+          </a:xfrm>
+        </p:spPr>
         <p:txBody>
           <a:bodyPr/>
           <a:lstStyle/>
           <a:p>
             <a:r>
               <a:rPr lang="en-US" dirty="0"/>
-              <a:t>OOP concepts, OOP implementation with Java.</a:t>
-            </a:r>
-          </a:p>
-          <a:p>
+              <a:t>Java basic</a:t>
+            </a:r>
+          </a:p>
+          <a:p>
+            <a:pPr lvl="1"/>
             <a:r>
               <a:rPr lang="en-US" dirty="0"/>
-              <a:t>Design patterns introduction, Sample design patterns implementation.</a:t>
-            </a:r>
-          </a:p>
-          <a:p>
-            <a:r>
-              <a:rPr lang="en-US" dirty="0" smtClean="0"/>
-              <a:t>Tools </a:t>
+              <a:t>JVM, JDK, version, package &amp; </a:t>
+            </a:r>
+            <a:r>
+              <a:rPr lang="en-US" dirty="0" err="1"/>
+              <a:t>classpath</a:t>
             </a:r>
             <a:r>
               <a:rPr lang="en-US" dirty="0"/>
-              <a:t>&amp; Libraries </a:t>
-            </a:r>
-          </a:p>
-          <a:p>
-            <a:r>
-              <a:rPr lang="en-US" dirty="0" smtClean="0"/>
-              <a:t>Clean </a:t>
-            </a:r>
+              <a:t>, entry point</a:t>
+            </a:r>
+          </a:p>
+          <a:p>
+            <a:pPr lvl="1"/>
             <a:r>
               <a:rPr lang="en-US" dirty="0"/>
-              <a:t>code introduction</a:t>
-            </a:r>
-          </a:p>
-          <a:p>
-            <a:r>
-              <a:rPr lang="en-US" dirty="0" smtClean="0"/>
-              <a:t>Final Project</a:t>
-            </a:r>
-            <a:endParaRPr lang="en-US" dirty="0"/>
+              <a:t>Primitive data type and built-in classes.</a:t>
+            </a:r>
+          </a:p>
+          <a:p>
+            <a:pPr lvl="1"/>
+            <a:r>
+              <a:rPr lang="en-US" dirty="0"/>
+              <a:t>Testing with Junit</a:t>
+            </a:r>
+          </a:p>
+          <a:p>
+            <a:pPr lvl="1"/>
+            <a:r>
+              <a:rPr lang="en-US" dirty="0"/>
+              <a:t>Build tools</a:t>
+            </a:r>
+          </a:p>
+          <a:p>
+            <a:pPr lvl="1"/>
+            <a:r>
+              <a:rPr lang="en-US" dirty="0"/>
+              <a:t>Coding convention</a:t>
+            </a:r>
+          </a:p>
+          <a:p>
+            <a:pPr lvl="1"/>
+            <a:r>
+              <a:rPr lang="en-US" dirty="0"/>
+              <a:t>GUI (Swing, JavaFX)</a:t>
+            </a:r>
+          </a:p>
+          <a:p>
+            <a:r>
+              <a:rPr lang="en-US" dirty="0"/>
+              <a:t>OOP</a:t>
+            </a:r>
+          </a:p>
+          <a:p>
+            <a:pPr lvl="1"/>
+            <a:r>
+              <a:rPr lang="en-US" dirty="0"/>
+              <a:t>Basic OOP: Inheritance, Polymorphism, Encapsulation, Composition</a:t>
+            </a:r>
+          </a:p>
+          <a:p>
+            <a:pPr lvl="1"/>
+            <a:r>
+              <a:rPr lang="en-US" dirty="0"/>
+              <a:t>Design principles</a:t>
+            </a:r>
+          </a:p>
+          <a:p>
+            <a:pPr lvl="1"/>
+            <a:r>
+              <a:rPr lang="en-US" dirty="0"/>
+              <a:t>Design Pattern introduction</a:t>
+            </a:r>
           </a:p>
         </p:txBody>
       </p:sp>
@@ -8222,10 +8028,9 @@
           <a:lstStyle/>
           <a:p>
             <a:r>
-              <a:rPr lang="en-US" dirty="0" smtClean="0"/>
+              <a:rPr lang="en-US" dirty="0"/>
               <a:t>Lecture 1: Course Introduction</a:t>
             </a:r>
-            <a:endParaRPr lang="en-US" dirty="0"/>
           </a:p>
         </p:txBody>
       </p:sp>
@@ -8245,8 +8050,8 @@
           <a:lstStyle/>
           <a:p>
             <a:r>
-              <a:rPr lang="en-GB" dirty="0" smtClean="0"/>
-              <a:t>23/08/2017</a:t>
+              <a:rPr lang="en-GB" dirty="0"/>
+              <a:t>14/09/2018</a:t>
             </a:r>
             <a:endParaRPr lang="en-US" dirty="0"/>
           </a:p>
@@ -8280,16 +8085,9 @@
   <p:clrMapOvr>
     <a:masterClrMapping/>
   </p:clrMapOvr>
-  <p:transition xmlns:p14="http://schemas.microsoft.com/office/powerpoint/2010/main" spd="med">
+  <p:transition spd="med">
     <p:wipe dir="r"/>
   </p:transition>
-  <p:timing>
-    <p:tnLst>
-      <p:par>
-        <p:cTn xmlns:p14="http://schemas.microsoft.com/office/powerpoint/2010/main" id="1" dur="indefinite" restart="never" nodeType="tmRoot"/>
-      </p:par>
-    </p:tnLst>
-  </p:timing>
 </p:sld>
 </file>
 
@@ -8440,15 +8238,6 @@
                 <a:latin typeface="Calibri" charset="0"/>
               </a:rPr>
               <a:t>files</a:t>
-            </a:r>
-            <a:r>
-              <a:rPr lang="en-US" dirty="0">
-                <a:solidFill>
-                  <a:srgbClr val="404040"/>
-                </a:solidFill>
-                <a:latin typeface="Calibri" charset="0"/>
-              </a:rPr>
-              <a:t/>
             </a:r>
             <a:br>
               <a:rPr lang="en-US" dirty="0">
@@ -8600,7 +8389,7 @@
           <a:noFill/>
           <a:extLst>
             <a:ext uri="{909E8E84-426E-40dd-AFC4-6F175D3DCCD1}">
-              <a14:hiddenFill xmlns:a14="http://schemas.microsoft.com/office/drawing/2010/main">
+              <a14:hiddenFill xmlns:a14="http://schemas.microsoft.com/office/drawing/2010/main" xmlns="">
                 <a:solidFill>
                   <a:srgbClr val="FFFFFF"/>
                 </a:solidFill>
@@ -8641,7 +8430,7 @@
           <a:noFill/>
           <a:extLst>
             <a:ext uri="{909E8E84-426E-40dd-AFC4-6F175D3DCCD1}">
-              <a14:hiddenFill xmlns:a14="http://schemas.microsoft.com/office/drawing/2010/main">
+              <a14:hiddenFill xmlns:a14="http://schemas.microsoft.com/office/drawing/2010/main" xmlns="">
                 <a:solidFill>
                   <a:srgbClr val="FFFFFF"/>
                 </a:solidFill>
@@ -8660,7 +8449,7 @@
   <p:clrMapOvr>
     <a:masterClrMapping/>
   </p:clrMapOvr>
-  <p:transition xmlns:p14="http://schemas.microsoft.com/office/powerpoint/2010/main" spd="med">
+  <p:transition spd="med">
     <p:wipe dir="r"/>
   </p:transition>
 </p:sld>
@@ -8845,7 +8634,7 @@
           <a:noFill/>
           <a:extLst>
             <a:ext uri="{909E8E84-426E-40dd-AFC4-6F175D3DCCD1}">
-              <a14:hiddenFill xmlns:a14="http://schemas.microsoft.com/office/drawing/2010/main">
+              <a14:hiddenFill xmlns:a14="http://schemas.microsoft.com/office/drawing/2010/main" xmlns="">
                 <a:solidFill>
                   <a:srgbClr val="FFFFFF"/>
                 </a:solidFill>
@@ -8864,7 +8653,7 @@
   <p:clrMapOvr>
     <a:masterClrMapping/>
   </p:clrMapOvr>
-  <p:transition xmlns:p14="http://schemas.microsoft.com/office/powerpoint/2010/main" spd="med">
+  <p:transition spd="med">
     <p:wipe dir="r"/>
   </p:transition>
 </p:sld>
@@ -9027,15 +8816,6 @@
               </a:rPr>
               <a:t>MyAppletJar.jar</a:t>
             </a:r>
-            <a:r>
-              <a:rPr lang="en-US" dirty="0">
-                <a:solidFill>
-                  <a:srgbClr val="404040"/>
-                </a:solidFill>
-                <a:latin typeface="Courier New" charset="0"/>
-              </a:rPr>
-              <a:t/>
-            </a:r>
             <a:br>
               <a:rPr lang="en-US" dirty="0">
                 <a:solidFill>
@@ -9201,14 +8981,14 @@
           <a:effectLst/>
           <a:extLst>
             <a:ext uri="{909E8E84-426E-40dd-AFC4-6F175D3DCCD1}">
-              <a14:hiddenFill xmlns:a14="http://schemas.microsoft.com/office/drawing/2010/main">
+              <a14:hiddenFill xmlns:a14="http://schemas.microsoft.com/office/drawing/2010/main" xmlns="">
                 <a:solidFill>
                   <a:schemeClr val="accent1"/>
                 </a:solidFill>
               </a14:hiddenFill>
             </a:ext>
             <a:ext uri="{AF507438-7753-43e0-B8FC-AC1667EBCBE1}">
-              <a14:hiddenEffects xmlns:a14="http://schemas.microsoft.com/office/drawing/2010/main">
+              <a14:hiddenEffects xmlns:a14="http://schemas.microsoft.com/office/drawing/2010/main" xmlns="">
                 <a:effectLst>
                   <a:outerShdw blurRad="63500" dist="38099" dir="2700000" algn="ctr" rotWithShape="0">
                     <a:schemeClr val="bg2">
@@ -9238,7 +9018,7 @@
   <p:clrMapOvr>
     <a:masterClrMapping/>
   </p:clrMapOvr>
-  <p:transition xmlns:p14="http://schemas.microsoft.com/office/powerpoint/2010/main" spd="med">
+  <p:transition spd="med">
     <p:wipe dir="r"/>
   </p:transition>
 </p:sld>
@@ -9620,7 +9400,7 @@
   <p:clrMapOvr>
     <a:masterClrMapping/>
   </p:clrMapOvr>
-  <p:transition xmlns:p14="http://schemas.microsoft.com/office/powerpoint/2010/main" spd="med">
+  <p:transition spd="med">
     <p:wipe dir="r"/>
   </p:transition>
 </p:sld>
@@ -9772,23 +9552,8 @@
                 </a:solidFill>
                 <a:latin typeface="Courier New" charset="0"/>
               </a:rPr>
-              <a:t>(String name</a:t>
-            </a:r>
-            <a:r>
-              <a:rPr lang="en-US" sz="2000" dirty="0" smtClean="0">
-                <a:solidFill>
-                  <a:srgbClr val="404040"/>
-                </a:solidFill>
-                <a:latin typeface="Courier New" charset="0"/>
-              </a:rPr>
-              <a:t>)</a:t>
-            </a:r>
-            <a:endParaRPr lang="en-US" sz="2000" dirty="0">
-              <a:solidFill>
-                <a:srgbClr val="404040"/>
-              </a:solidFill>
-              <a:latin typeface="Courier New" charset="0"/>
-            </a:endParaRPr>
+              <a:t>(String name)</a:t>
+            </a:r>
           </a:p>
           <a:p>
             <a:r>
@@ -10197,7 +9962,7 @@
   <p:clrMapOvr>
     <a:masterClrMapping/>
   </p:clrMapOvr>
-  <p:transition xmlns:p14="http://schemas.microsoft.com/office/powerpoint/2010/main" spd="med">
+  <p:transition spd="med">
     <p:wipe dir="r"/>
   </p:transition>
 </p:sld>
@@ -10236,10 +10001,9 @@
           <a:lstStyle/>
           <a:p>
             <a:r>
-              <a:rPr lang="en-US" dirty="0" smtClean="0"/>
+              <a:rPr lang="en-US" dirty="0"/>
               <a:t>Homework</a:t>
             </a:r>
-            <a:endParaRPr lang="en-US" dirty="0"/>
           </a:p>
         </p:txBody>
       </p:sp>
@@ -10260,14 +10024,15 @@
           <a:p>
             <a:pPr lvl="0"/>
             <a:r>
-              <a:rPr lang="en-US" dirty="0" smtClean="0"/>
-              <a:t>Read Chapter 1-2 OOP Book</a:t>
-            </a:r>
+              <a:rPr lang="en-US"/>
+              <a:t>Java book: chapter 1-5</a:t>
+            </a:r>
+            <a:endParaRPr lang="en-US" dirty="0"/>
           </a:p>
           <a:p>
             <a:pPr lvl="0"/>
             <a:r>
-              <a:rPr lang="en-US" dirty="0" smtClean="0"/>
+              <a:rPr lang="en-US" dirty="0"/>
               <a:t>Install Java, JDK, IDE</a:t>
             </a:r>
           </a:p>
@@ -10276,16 +10041,10 @@
               <a:rPr lang="vi-VN" dirty="0">
                 <a:hlinkClick r:id="rId2"/>
               </a:rPr>
-              <a:t>http://programmingbydoing.com</a:t>
-            </a:r>
-            <a:r>
-              <a:rPr lang="vi-VN" dirty="0" smtClean="0">
-                <a:hlinkClick r:id="rId2"/>
-              </a:rPr>
-              <a:t>/</a:t>
-            </a:r>
-            <a:r>
-              <a:rPr lang="vi-VN" dirty="0" smtClean="0"/>
+              <a:t>http://programmingbydoing.com/</a:t>
+            </a:r>
+            <a:r>
+              <a:rPr lang="vi-VN" dirty="0"/>
               <a:t> 1-74</a:t>
             </a:r>
             <a:endParaRPr lang="en-US" dirty="0"/>
@@ -10308,10 +10067,9 @@
           <a:lstStyle/>
           <a:p>
             <a:r>
-              <a:rPr lang="en-US" dirty="0" smtClean="0"/>
+              <a:rPr lang="en-US" dirty="0"/>
               <a:t>Lecture 1: Course Introduction</a:t>
             </a:r>
-            <a:endParaRPr lang="en-US" dirty="0"/>
           </a:p>
         </p:txBody>
       </p:sp>
@@ -10331,8 +10089,8 @@
           <a:lstStyle/>
           <a:p>
             <a:r>
-              <a:rPr lang="en-GB" dirty="0" smtClean="0"/>
-              <a:t>23/08/2017</a:t>
+              <a:rPr lang="en-GB" dirty="0"/>
+              <a:t>14/09/2018</a:t>
             </a:r>
             <a:endParaRPr lang="en-US" dirty="0"/>
           </a:p>
@@ -10371,16 +10129,9 @@
   <p:clrMapOvr>
     <a:masterClrMapping/>
   </p:clrMapOvr>
-  <p:transition xmlns:p14="http://schemas.microsoft.com/office/powerpoint/2010/main" spd="med">
+  <p:transition spd="med">
     <p:wipe dir="r"/>
   </p:transition>
-  <p:timing>
-    <p:tnLst>
-      <p:par>
-        <p:cTn xmlns:p14="http://schemas.microsoft.com/office/powerpoint/2010/main" id="1" dur="indefinite" restart="never" nodeType="tmRoot"/>
-      </p:par>
-    </p:tnLst>
-  </p:timing>
 </p:sld>
 </file>
 
@@ -10417,10 +10168,9 @@
           <a:lstStyle/>
           <a:p>
             <a:r>
-              <a:rPr lang="en-US" dirty="0" smtClean="0"/>
+              <a:rPr lang="en-US" dirty="0"/>
               <a:t>Evaluation</a:t>
             </a:r>
-            <a:endParaRPr lang="en-US" dirty="0"/>
           </a:p>
         </p:txBody>
       </p:sp>
@@ -10478,11 +10228,7 @@
             <a:pPr lvl="0"/>
             <a:r>
               <a:rPr lang="en-GB" dirty="0"/>
-              <a:t>2 assignments account for 40% of total score, final project accounts for 50% of total score</a:t>
-            </a:r>
-            <a:r>
-              <a:rPr lang="en-GB" dirty="0" smtClean="0"/>
-              <a:t>.</a:t>
+              <a:t>5 assignments account for 50% of total score, final project accounts for 40% of total score.</a:t>
             </a:r>
             <a:endParaRPr lang="en-US" b="1" dirty="0"/>
           </a:p>
@@ -10504,10 +10250,9 @@
           <a:lstStyle/>
           <a:p>
             <a:r>
-              <a:rPr lang="en-US" dirty="0" smtClean="0"/>
+              <a:rPr lang="en-US" dirty="0"/>
               <a:t>Lecture 1: Course Introduction</a:t>
             </a:r>
-            <a:endParaRPr lang="en-US" dirty="0"/>
           </a:p>
         </p:txBody>
       </p:sp>
@@ -10527,8 +10272,8 @@
           <a:lstStyle/>
           <a:p>
             <a:r>
-              <a:rPr lang="en-GB" dirty="0" smtClean="0"/>
-              <a:t>23/08/2017</a:t>
+              <a:rPr lang="en-GB" dirty="0"/>
+              <a:t>14/09/2018</a:t>
             </a:r>
             <a:endParaRPr lang="en-US" dirty="0"/>
           </a:p>
@@ -10567,16 +10312,9 @@
   <p:clrMapOvr>
     <a:masterClrMapping/>
   </p:clrMapOvr>
-  <p:transition xmlns:p14="http://schemas.microsoft.com/office/powerpoint/2010/main" spd="med">
+  <p:transition spd="med">
     <p:wipe dir="r"/>
   </p:transition>
-  <p:timing>
-    <p:tnLst>
-      <p:par>
-        <p:cTn xmlns:p14="http://schemas.microsoft.com/office/powerpoint/2010/main" id="1" dur="indefinite" restart="never" nodeType="tmRoot"/>
-      </p:par>
-    </p:tnLst>
-  </p:timing>
 </p:sld>
 </file>
 
@@ -10613,10 +10351,9 @@
           <a:lstStyle/>
           <a:p>
             <a:r>
-              <a:rPr lang="en-US" dirty="0" smtClean="0"/>
+              <a:rPr lang="en-US" dirty="0"/>
               <a:t>References</a:t>
             </a:r>
-            <a:endParaRPr lang="en-US" dirty="0"/>
           </a:p>
         </p:txBody>
       </p:sp>
@@ -10636,10 +10373,9 @@
           <a:lstStyle/>
           <a:p>
             <a:r>
-              <a:rPr lang="en-US" dirty="0" smtClean="0"/>
+              <a:rPr lang="en-US" dirty="0"/>
               <a:t>Lecture 1: Course Introduction</a:t>
             </a:r>
-            <a:endParaRPr lang="en-US" dirty="0"/>
           </a:p>
         </p:txBody>
       </p:sp>
@@ -10659,8 +10395,8 @@
           <a:lstStyle/>
           <a:p>
             <a:r>
-              <a:rPr lang="en-GB" dirty="0" smtClean="0"/>
-              <a:t>23/08/2017</a:t>
+              <a:rPr lang="en-GB" dirty="0"/>
+              <a:t>14/09/2018</a:t>
             </a:r>
             <a:endParaRPr lang="en-US" dirty="0"/>
           </a:p>
@@ -10715,8 +10451,20 @@
                 <a:tableStyleId>{5C22544A-7EE6-4342-B048-85BDC9FD1C3A}</a:tableStyleId>
               </a:tblPr>
               <a:tblGrid>
-                <a:gridCol w="2032782"/>
-                <a:gridCol w="6196818"/>
+                <a:gridCol w="2032782">
+                  <a:extLst>
+                    <a:ext uri="{9D8B030D-6E8A-4147-A177-3AD203B41FA5}">
+                      <a16:colId xmlns:a16="http://schemas.microsoft.com/office/drawing/2014/main" val="20000"/>
+                    </a:ext>
+                  </a:extLst>
+                </a:gridCol>
+                <a:gridCol w="6196818">
+                  <a:extLst>
+                    <a:ext uri="{9D8B030D-6E8A-4147-A177-3AD203B41FA5}">
+                      <a16:colId xmlns:a16="http://schemas.microsoft.com/office/drawing/2014/main" val="20001"/>
+                    </a:ext>
+                  </a:extLst>
+                </a:gridCol>
               </a:tblGrid>
               <a:tr h="0">
                 <a:tc>
@@ -10781,6 +10529,11 @@
                   </a:txBody>
                   <a:tcPr marL="34290" marR="34925" marT="34925" marB="34925"/>
                 </a:tc>
+                <a:extLst>
+                  <a:ext uri="{0D108BD9-81ED-4DB2-BD59-A6C34878D82A}">
+                    <a16:rowId xmlns:a16="http://schemas.microsoft.com/office/drawing/2014/main" val="10000"/>
+                  </a:ext>
+                </a:extLst>
               </a:tr>
               <a:tr h="1054440">
                 <a:tc>
@@ -10903,6 +10656,11 @@
                   </a:txBody>
                   <a:tcPr marL="34290" marR="34925" marT="34925" marB="34925"/>
                 </a:tc>
+                <a:extLst>
+                  <a:ext uri="{0D108BD9-81ED-4DB2-BD59-A6C34878D82A}">
+                    <a16:rowId xmlns:a16="http://schemas.microsoft.com/office/drawing/2014/main" val="10001"/>
+                  </a:ext>
+                </a:extLst>
               </a:tr>
               <a:tr h="593227">
                 <a:tc>
@@ -10973,6 +10731,11 @@
                   </a:txBody>
                   <a:tcPr marL="34290" marR="34925" marT="34925" marB="34925"/>
                 </a:tc>
+                <a:extLst>
+                  <a:ext uri="{0D108BD9-81ED-4DB2-BD59-A6C34878D82A}">
+                    <a16:rowId xmlns:a16="http://schemas.microsoft.com/office/drawing/2014/main" val="10002"/>
+                  </a:ext>
+                </a:extLst>
               </a:tr>
               <a:tr h="813807">
                 <a:tc>
@@ -11070,6 +10833,11 @@
                   </a:txBody>
                   <a:tcPr marL="34290" marR="34925" marT="34925" marB="34925"/>
                 </a:tc>
+                <a:extLst>
+                  <a:ext uri="{0D108BD9-81ED-4DB2-BD59-A6C34878D82A}">
+                    <a16:rowId xmlns:a16="http://schemas.microsoft.com/office/drawing/2014/main" val="10003"/>
+                  </a:ext>
+                </a:extLst>
               </a:tr>
             </a:tbl>
           </a:graphicData>
@@ -11085,16 +10853,9 @@
   <p:clrMapOvr>
     <a:masterClrMapping/>
   </p:clrMapOvr>
-  <p:transition xmlns:p14="http://schemas.microsoft.com/office/powerpoint/2010/main" spd="med">
+  <p:transition spd="med">
     <p:wipe dir="r"/>
   </p:transition>
-  <p:timing>
-    <p:tnLst>
-      <p:par>
-        <p:cTn xmlns:p14="http://schemas.microsoft.com/office/powerpoint/2010/main" id="1" dur="indefinite" restart="never" nodeType="tmRoot"/>
-      </p:par>
-    </p:tnLst>
-  </p:timing>
 </p:sld>
 </file>
 
@@ -11131,10 +10892,9 @@
           <a:lstStyle/>
           <a:p>
             <a:r>
-              <a:rPr lang="en-US" dirty="0" smtClean="0"/>
+              <a:rPr lang="en-US" dirty="0"/>
               <a:t>Before we start</a:t>
             </a:r>
-            <a:endParaRPr lang="en-US" dirty="0"/>
           </a:p>
         </p:txBody>
       </p:sp>
@@ -11160,80 +10920,68 @@
           <a:p>
             <a:pPr lvl="0"/>
             <a:r>
-              <a:rPr lang="en-US" dirty="0" smtClean="0"/>
-              <a:t>Prerequisites:  Basic </a:t>
-            </a:r>
-            <a:r>
               <a:rPr lang="en-US" dirty="0"/>
-              <a:t>Web </a:t>
-            </a:r>
-            <a:r>
-              <a:rPr lang="en-US" dirty="0" smtClean="0"/>
-              <a:t>development.</a:t>
+              <a:t>Prerequisites:  Basic programming skills.</a:t>
             </a:r>
           </a:p>
           <a:p>
             <a:pPr lvl="0"/>
             <a:r>
-              <a:rPr lang="en-US" dirty="0" smtClean="0"/>
+              <a:rPr lang="en-US" dirty="0"/>
               <a:t>Survey: /courses/</a:t>
             </a:r>
             <a:r>
-              <a:rPr lang="en-US" dirty="0" err="1" smtClean="0"/>
+              <a:rPr lang="en-US" dirty="0" err="1"/>
               <a:t>oopjava</a:t>
             </a:r>
-            <a:endParaRPr lang="en-US" dirty="0" smtClean="0"/>
+            <a:endParaRPr lang="en-US" dirty="0"/>
           </a:p>
           <a:p>
             <a:pPr lvl="1"/>
             <a:r>
-              <a:rPr lang="en-US" dirty="0" smtClean="0"/>
+              <a:rPr lang="en-US" dirty="0"/>
               <a:t>Current background: knowledge &amp; skills.</a:t>
             </a:r>
           </a:p>
           <a:p>
             <a:pPr lvl="1"/>
             <a:r>
-              <a:rPr lang="en-US" dirty="0" smtClean="0"/>
+              <a:rPr lang="en-US" dirty="0"/>
               <a:t>Communication channels</a:t>
             </a:r>
           </a:p>
           <a:p>
             <a:pPr lvl="1"/>
             <a:r>
-              <a:rPr lang="en-US" dirty="0" smtClean="0"/>
+              <a:rPr lang="en-US" dirty="0"/>
               <a:t>Notifications</a:t>
             </a:r>
           </a:p>
           <a:p>
             <a:pPr lvl="0"/>
             <a:r>
-              <a:rPr lang="en-US" dirty="0" smtClean="0"/>
-              <a:t>Quick questions</a:t>
-            </a:r>
-            <a:r>
-              <a:rPr lang="en-US" dirty="0" smtClean="0"/>
-              <a:t>:</a:t>
+              <a:rPr lang="en-US" dirty="0"/>
+              <a:t>Quick questions:</a:t>
             </a:r>
           </a:p>
           <a:p>
             <a:pPr lvl="1"/>
             <a:r>
-              <a:rPr lang="en-US" dirty="0" smtClean="0"/>
+              <a:rPr lang="en-US" dirty="0"/>
               <a:t>Java</a:t>
             </a:r>
           </a:p>
           <a:p>
             <a:pPr lvl="1"/>
             <a:r>
-              <a:rPr lang="en-US" dirty="0" smtClean="0"/>
+              <a:rPr lang="en-US" dirty="0"/>
               <a:t>Programming experience</a:t>
             </a:r>
           </a:p>
           <a:p>
             <a:pPr lvl="1"/>
             <a:r>
-              <a:rPr lang="en-US" dirty="0" smtClean="0"/>
+              <a:rPr lang="en-US" dirty="0"/>
               <a:t>OOP Experience</a:t>
             </a:r>
           </a:p>
@@ -11241,7 +10989,7 @@
             <a:pPr marL="457200" lvl="1" indent="0">
               <a:buNone/>
             </a:pPr>
-            <a:endParaRPr lang="en-US" dirty="0" smtClean="0"/>
+            <a:endParaRPr lang="en-US" dirty="0"/>
           </a:p>
         </p:txBody>
       </p:sp>
@@ -11261,10 +11009,9 @@
           <a:lstStyle/>
           <a:p>
             <a:r>
-              <a:rPr lang="en-US" dirty="0" smtClean="0"/>
+              <a:rPr lang="en-US" dirty="0"/>
               <a:t>Lecture 1: Course Introduction</a:t>
             </a:r>
-            <a:endParaRPr lang="en-US" dirty="0"/>
           </a:p>
         </p:txBody>
       </p:sp>
@@ -11284,8 +11031,8 @@
           <a:lstStyle/>
           <a:p>
             <a:r>
-              <a:rPr lang="en-GB" dirty="0" smtClean="0"/>
-              <a:t>23/08/2017</a:t>
+              <a:rPr lang="en-GB" dirty="0"/>
+              <a:t>14/09/2018</a:t>
             </a:r>
             <a:endParaRPr lang="en-US" dirty="0"/>
           </a:p>
@@ -11324,16 +11071,9 @@
   <p:clrMapOvr>
     <a:masterClrMapping/>
   </p:clrMapOvr>
-  <p:transition xmlns:p14="http://schemas.microsoft.com/office/powerpoint/2010/main" spd="med">
+  <p:transition spd="med">
     <p:wipe dir="r"/>
   </p:transition>
-  <p:timing>
-    <p:tnLst>
-      <p:par>
-        <p:cTn xmlns:p14="http://schemas.microsoft.com/office/powerpoint/2010/main" id="1" dur="indefinite" restart="never" nodeType="tmRoot"/>
-      </p:par>
-    </p:tnLst>
-  </p:timing>
 </p:sld>
 </file>
 
@@ -11370,10 +11110,9 @@
           <a:lstStyle/>
           <a:p>
             <a:r>
-              <a:rPr lang="en-US" dirty="0" smtClean="0"/>
+              <a:rPr lang="en-US" dirty="0"/>
               <a:t>Today’s topic: Java Overview</a:t>
             </a:r>
-            <a:endParaRPr lang="en-US" dirty="0"/>
           </a:p>
         </p:txBody>
       </p:sp>
@@ -11394,33 +11133,29 @@
           <a:p>
             <a:pPr lvl="0"/>
             <a:r>
-              <a:rPr lang="en-US" dirty="0" smtClean="0"/>
+              <a:rPr lang="en-US" dirty="0"/>
               <a:t>Language, JVM, JDK </a:t>
             </a:r>
           </a:p>
           <a:p>
             <a:pPr lvl="0"/>
             <a:r>
-              <a:rPr lang="en-US" dirty="0" smtClean="0"/>
+              <a:rPr lang="en-US" dirty="0"/>
               <a:t>Package</a:t>
             </a:r>
           </a:p>
           <a:p>
             <a:r>
-              <a:rPr lang="en-US" dirty="0" err="1" smtClean="0"/>
+              <a:rPr lang="en-US" dirty="0" err="1"/>
               <a:t>Classpath</a:t>
             </a:r>
-            <a:endParaRPr lang="en-US" dirty="0" smtClean="0"/>
+            <a:endParaRPr lang="en-US" dirty="0"/>
           </a:p>
           <a:p>
             <a:pPr lvl="0"/>
             <a:r>
               <a:rPr lang="en-US" dirty="0"/>
-              <a:t>Compiler and </a:t>
-            </a:r>
-            <a:r>
-              <a:rPr lang="en-US" dirty="0" smtClean="0"/>
-              <a:t>Runner</a:t>
+              <a:t>Compiler and Runner</a:t>
             </a:r>
           </a:p>
           <a:p>
@@ -11428,14 +11163,12 @@
               <a:rPr lang="en-US" dirty="0"/>
               <a:t>Build tools </a:t>
             </a:r>
-            <a:endParaRPr lang="en-US" dirty="0" smtClean="0"/>
-          </a:p>
-          <a:p>
-            <a:r>
-              <a:rPr lang="en-US" dirty="0" smtClean="0"/>
+          </a:p>
+          <a:p>
+            <a:r>
+              <a:rPr lang="en-US" dirty="0"/>
               <a:t>IDE</a:t>
             </a:r>
-            <a:endParaRPr lang="en-US" dirty="0"/>
           </a:p>
         </p:txBody>
       </p:sp>
@@ -11455,10 +11188,9 @@
           <a:lstStyle/>
           <a:p>
             <a:r>
-              <a:rPr lang="en-US" dirty="0" smtClean="0"/>
+              <a:rPr lang="en-US" dirty="0"/>
               <a:t>Lecture 1: Course Introduction</a:t>
             </a:r>
-            <a:endParaRPr lang="en-US" dirty="0"/>
           </a:p>
         </p:txBody>
       </p:sp>
@@ -11478,8 +11210,8 @@
           <a:lstStyle/>
           <a:p>
             <a:r>
-              <a:rPr lang="en-GB" dirty="0" smtClean="0"/>
-              <a:t>23/08/2017</a:t>
+              <a:rPr lang="en-GB" dirty="0"/>
+              <a:t>14/09/2018</a:t>
             </a:r>
             <a:endParaRPr lang="en-US" dirty="0"/>
           </a:p>
@@ -11518,16 +11250,9 @@
   <p:clrMapOvr>
     <a:masterClrMapping/>
   </p:clrMapOvr>
-  <p:transition xmlns:p14="http://schemas.microsoft.com/office/powerpoint/2010/main" spd="med">
+  <p:transition spd="med">
     <p:wipe dir="r"/>
   </p:transition>
-  <p:timing>
-    <p:tnLst>
-      <p:par>
-        <p:cTn xmlns:p14="http://schemas.microsoft.com/office/powerpoint/2010/main" id="1" dur="indefinite" restart="never" nodeType="tmRoot"/>
-      </p:par>
-    </p:tnLst>
-  </p:timing>
 </p:sld>
 </file>
 
@@ -11564,10 +11289,9 @@
           <a:lstStyle/>
           <a:p>
             <a:r>
-              <a:rPr lang="en-GB" dirty="0" smtClean="0"/>
+              <a:rPr lang="en-GB" dirty="0"/>
               <a:t>Language</a:t>
             </a:r>
-            <a:endParaRPr lang="en-GB" dirty="0"/>
           </a:p>
         </p:txBody>
       </p:sp>
@@ -11587,27 +11311,22 @@
           <a:lstStyle/>
           <a:p>
             <a:r>
-              <a:rPr lang="en-US" sz="2000" dirty="0" smtClean="0"/>
-              <a:t>Originally </a:t>
-            </a:r>
-            <a:r>
               <a:rPr lang="en-US" sz="2000" dirty="0"/>
-              <a:t>developed by Sun Microsystems which was initiated by James Gosling and released in </a:t>
-            </a:r>
-            <a:r>
-              <a:rPr lang="en-US" sz="2000" dirty="0" smtClean="0"/>
-              <a:t>1995.</a:t>
-            </a:r>
-            <a:endParaRPr lang="en-US" sz="2000" dirty="0"/>
-          </a:p>
-          <a:p>
-            <a:r>
-              <a:rPr lang="en-US" sz="2000" b="1" dirty="0" smtClean="0"/>
+              <a:t>Originally developed by Sun Microsystems which was initiated by James Gosling and released in 1995.</a:t>
+            </a:r>
+          </a:p>
+          <a:p>
+            <a:r>
+              <a:rPr lang="en-US" sz="2000" b="1" dirty="0"/>
               <a:t>Latest stable version</a:t>
             </a:r>
             <a:r>
-              <a:rPr lang="en-US" sz="2000" dirty="0" smtClean="0"/>
-              <a:t>: Java 8.</a:t>
+              <a:rPr lang="en-US" sz="2000" dirty="0"/>
+              <a:t>: </a:t>
+            </a:r>
+            <a:r>
+              <a:rPr lang="en-US" sz="2000"/>
+              <a:t>Java 10.</a:t>
             </a:r>
             <a:endParaRPr lang="en-US" sz="2000" dirty="0"/>
           </a:p>
@@ -11618,20 +11337,16 @@
             </a:r>
             <a:r>
               <a:rPr lang="en-US" sz="2000" dirty="0"/>
-              <a:t> − In Java, everything is an Object. Java can be easily extended since it is based on the Object model</a:t>
-            </a:r>
-            <a:r>
-              <a:rPr lang="en-US" sz="2000" dirty="0" smtClean="0"/>
-              <a:t>.</a:t>
-            </a:r>
-          </a:p>
-          <a:p>
-            <a:r>
-              <a:rPr lang="en-US" sz="2000" b="1" dirty="0" smtClean="0"/>
+              <a:t> − In Java, everything is an Object. Java can be easily extended since it is based on the Object model.</a:t>
+            </a:r>
+          </a:p>
+          <a:p>
+            <a:r>
+              <a:rPr lang="en-US" sz="2000" b="1" dirty="0"/>
               <a:t>Simple</a:t>
             </a:r>
             <a:r>
-              <a:rPr lang="en-US" sz="2000" dirty="0" smtClean="0"/>
+              <a:rPr lang="en-US" sz="2000" dirty="0"/>
               <a:t> − Java is designed to be easy to learn. If you understand the basic concept of OOP Java, it would be easy to master.</a:t>
             </a:r>
           </a:p>
@@ -11641,29 +11356,27 @@
               <a:t>Platform Independent</a:t>
             </a:r>
             <a:r>
-              <a:rPr lang="en-US" sz="2000" dirty="0" smtClean="0"/>
+              <a:rPr lang="en-US" sz="2000" dirty="0"/>
               <a:t>. </a:t>
             </a:r>
-            <a:endParaRPr lang="en-US" sz="2000" dirty="0"/>
-          </a:p>
-          <a:p>
-            <a:r>
-              <a:rPr lang="en-US" sz="2000" b="1" dirty="0" smtClean="0"/>
+          </a:p>
+          <a:p>
+            <a:r>
+              <a:rPr lang="en-US" sz="2000" b="1" dirty="0"/>
               <a:t>Multithreaded</a:t>
             </a:r>
           </a:p>
           <a:p>
             <a:r>
-              <a:rPr lang="en-US" sz="2000" b="1" dirty="0" smtClean="0"/>
+              <a:rPr lang="en-US" sz="2000" b="1" dirty="0"/>
               <a:t>Interpreted</a:t>
             </a:r>
           </a:p>
           <a:p>
             <a:r>
-              <a:rPr lang="en-US" sz="2000" dirty="0" smtClean="0"/>
+              <a:rPr lang="en-US" sz="2000" dirty="0"/>
               <a:t>And more</a:t>
             </a:r>
-            <a:endParaRPr lang="en-US" sz="2000" dirty="0"/>
           </a:p>
         </p:txBody>
       </p:sp>
@@ -11683,10 +11396,9 @@
           <a:lstStyle/>
           <a:p>
             <a:r>
-              <a:rPr lang="en-US" dirty="0" smtClean="0"/>
+              <a:rPr lang="en-US" dirty="0"/>
               <a:t>Lecture 1: Course Introduction</a:t>
             </a:r>
-            <a:endParaRPr lang="en-US" dirty="0"/>
           </a:p>
         </p:txBody>
       </p:sp>
@@ -11706,8 +11418,8 @@
           <a:lstStyle/>
           <a:p>
             <a:r>
-              <a:rPr lang="mr-IN" dirty="0" smtClean="0"/>
-              <a:t>23/08/2017</a:t>
+              <a:rPr lang="mr-IN" dirty="0"/>
+              <a:t>14/09/2018</a:t>
             </a:r>
             <a:endParaRPr lang="en-US" dirty="0"/>
           </a:p>
@@ -11741,16 +11453,9 @@
   <p:clrMapOvr>
     <a:masterClrMapping/>
   </p:clrMapOvr>
-  <p:transition xmlns:p14="http://schemas.microsoft.com/office/powerpoint/2010/main" spd="med">
+  <p:transition spd="med">
     <p:wipe dir="r"/>
   </p:transition>
-  <p:timing>
-    <p:tnLst>
-      <p:par>
-        <p:cTn xmlns:p14="http://schemas.microsoft.com/office/powerpoint/2010/main" id="1" dur="indefinite" restart="never" nodeType="tmRoot"/>
-      </p:par>
-    </p:tnLst>
-  </p:timing>
 </p:sld>
 </file>
 
@@ -12025,7 +11730,7 @@
           <a:noFill/>
           <a:extLst>
             <a:ext uri="{909E8E84-426E-40dd-AFC4-6F175D3DCCD1}">
-              <a14:hiddenFill xmlns:a14="http://schemas.microsoft.com/office/drawing/2010/main">
+              <a14:hiddenFill xmlns:a14="http://schemas.microsoft.com/office/drawing/2010/main" xmlns="">
                 <a:solidFill>
                   <a:srgbClr val="FFFFFF"/>
                 </a:solidFill>
@@ -12044,16 +11749,9 @@
   <p:clrMapOvr>
     <a:masterClrMapping/>
   </p:clrMapOvr>
-  <p:transition xmlns:p14="http://schemas.microsoft.com/office/powerpoint/2010/main" spd="med">
+  <p:transition spd="med">
     <p:wipe dir="r"/>
   </p:transition>
-  <p:timing>
-    <p:tnLst>
-      <p:par>
-        <p:cTn xmlns:p14="http://schemas.microsoft.com/office/powerpoint/2010/main" id="1" dur="indefinite" restart="never" nodeType="tmRoot"/>
-      </p:par>
-    </p:tnLst>
-  </p:timing>
 </p:sld>
 </file>
 
@@ -12434,7 +12132,7 @@
           <a:noFill/>
           <a:extLst>
             <a:ext uri="{909E8E84-426E-40dd-AFC4-6F175D3DCCD1}">
-              <a14:hiddenFill xmlns:a14="http://schemas.microsoft.com/office/drawing/2010/main">
+              <a14:hiddenFill xmlns:a14="http://schemas.microsoft.com/office/drawing/2010/main" xmlns="">
                 <a:solidFill>
                   <a:srgbClr val="FFFFFF"/>
                 </a:solidFill>
@@ -12453,16 +12151,9 @@
   <p:clrMapOvr>
     <a:masterClrMapping/>
   </p:clrMapOvr>
-  <p:transition xmlns:p14="http://schemas.microsoft.com/office/powerpoint/2010/main" spd="med">
+  <p:transition spd="med">
     <p:wipe dir="r"/>
   </p:transition>
-  <p:timing>
-    <p:tnLst>
-      <p:par>
-        <p:cTn xmlns:p14="http://schemas.microsoft.com/office/powerpoint/2010/main" id="1" dur="indefinite" restart="never" nodeType="tmRoot"/>
-      </p:par>
-    </p:tnLst>
-  </p:timing>
 </p:sld>
 </file>
 

--- a/courses/oopjava/lecture1.pptx
+++ b/courses/oopjava/lecture1.pptx
@@ -266,7 +266,7 @@
             <a:fld id="{CB44B6B1-5441-9644-AE1C-BB7EA5DBA264}" type="datetimeFigureOut">
               <a:rPr lang="en-US" smtClean="0"/>
               <a:pPr/>
-              <a:t>9/14/18</a:t>
+              <a:t>06/09/2019</a:t>
             </a:fld>
             <a:endParaRPr lang="en-US"/>
           </a:p>
@@ -434,7 +434,7 @@
             <a:fld id="{41878819-472C-A14B-95BF-39C94BA106B2}" type="datetimeFigureOut">
               <a:rPr lang="en-US" smtClean="0"/>
               <a:pPr/>
-              <a:t>9/14/18</a:t>
+              <a:t>06/09/2019</a:t>
             </a:fld>
             <a:endParaRPr lang="en-US"/>
           </a:p>
@@ -8389,7 +8389,7 @@
           <a:noFill/>
           <a:extLst>
             <a:ext uri="{909E8E84-426E-40dd-AFC4-6F175D3DCCD1}">
-              <a14:hiddenFill xmlns:a14="http://schemas.microsoft.com/office/drawing/2010/main" xmlns="">
+              <a14:hiddenFill xmlns="" xmlns:a14="http://schemas.microsoft.com/office/drawing/2010/main">
                 <a:solidFill>
                   <a:srgbClr val="FFFFFF"/>
                 </a:solidFill>
@@ -8430,7 +8430,7 @@
           <a:noFill/>
           <a:extLst>
             <a:ext uri="{909E8E84-426E-40dd-AFC4-6F175D3DCCD1}">
-              <a14:hiddenFill xmlns:a14="http://schemas.microsoft.com/office/drawing/2010/main" xmlns="">
+              <a14:hiddenFill xmlns="" xmlns:a14="http://schemas.microsoft.com/office/drawing/2010/main">
                 <a:solidFill>
                   <a:srgbClr val="FFFFFF"/>
                 </a:solidFill>
@@ -8634,7 +8634,7 @@
           <a:noFill/>
           <a:extLst>
             <a:ext uri="{909E8E84-426E-40dd-AFC4-6F175D3DCCD1}">
-              <a14:hiddenFill xmlns:a14="http://schemas.microsoft.com/office/drawing/2010/main" xmlns="">
+              <a14:hiddenFill xmlns="" xmlns:a14="http://schemas.microsoft.com/office/drawing/2010/main">
                 <a:solidFill>
                   <a:srgbClr val="FFFFFF"/>
                 </a:solidFill>
@@ -8981,14 +8981,14 @@
           <a:effectLst/>
           <a:extLst>
             <a:ext uri="{909E8E84-426E-40dd-AFC4-6F175D3DCCD1}">
-              <a14:hiddenFill xmlns:a14="http://schemas.microsoft.com/office/drawing/2010/main" xmlns="">
+              <a14:hiddenFill xmlns="" xmlns:a14="http://schemas.microsoft.com/office/drawing/2010/main">
                 <a:solidFill>
                   <a:schemeClr val="accent1"/>
                 </a:solidFill>
               </a14:hiddenFill>
             </a:ext>
             <a:ext uri="{AF507438-7753-43e0-B8FC-AC1667EBCBE1}">
-              <a14:hiddenEffects xmlns:a14="http://schemas.microsoft.com/office/drawing/2010/main" xmlns="">
+              <a14:hiddenEffects xmlns="" xmlns:a14="http://schemas.microsoft.com/office/drawing/2010/main">
                 <a:effectLst>
                   <a:outerShdw blurRad="63500" dist="38099" dir="2700000" algn="ctr" rotWithShape="0">
                     <a:schemeClr val="bg2">
@@ -10024,10 +10024,9 @@
           <a:p>
             <a:pPr lvl="0"/>
             <a:r>
-              <a:rPr lang="en-US"/>
+              <a:rPr lang="en-US" dirty="0"/>
               <a:t>Java book: chapter 1-5</a:t>
             </a:r>
-            <a:endParaRPr lang="en-US" dirty="0"/>
           </a:p>
           <a:p>
             <a:pPr lvl="0"/>
@@ -10227,8 +10226,28 @@
           <a:p>
             <a:pPr lvl="0"/>
             <a:r>
+              <a:rPr lang="en-GB"/>
+              <a:t>2 </a:t>
+            </a:r>
+            <a:r>
               <a:rPr lang="en-GB" dirty="0"/>
-              <a:t>5 assignments account for 50% of total score, final project accounts for 40% of total score.</a:t>
+              <a:t>assignments account </a:t>
+            </a:r>
+            <a:r>
+              <a:rPr lang="en-GB"/>
+              <a:t>for 40</a:t>
+            </a:r>
+            <a:r>
+              <a:rPr lang="en-GB" dirty="0"/>
+              <a:t>% of total score, final project accounts </a:t>
+            </a:r>
+            <a:r>
+              <a:rPr lang="en-GB"/>
+              <a:t>for 50</a:t>
+            </a:r>
+            <a:r>
+              <a:rPr lang="en-GB" dirty="0"/>
+              <a:t>% of total score.</a:t>
             </a:r>
             <a:endParaRPr lang="en-US" b="1" dirty="0"/>
           </a:p>
@@ -11730,7 +11749,7 @@
           <a:noFill/>
           <a:extLst>
             <a:ext uri="{909E8E84-426E-40dd-AFC4-6F175D3DCCD1}">
-              <a14:hiddenFill xmlns:a14="http://schemas.microsoft.com/office/drawing/2010/main" xmlns="">
+              <a14:hiddenFill xmlns="" xmlns:a14="http://schemas.microsoft.com/office/drawing/2010/main">
                 <a:solidFill>
                   <a:srgbClr val="FFFFFF"/>
                 </a:solidFill>
@@ -12132,7 +12151,7 @@
           <a:noFill/>
           <a:extLst>
             <a:ext uri="{909E8E84-426E-40dd-AFC4-6F175D3DCCD1}">
-              <a14:hiddenFill xmlns:a14="http://schemas.microsoft.com/office/drawing/2010/main" xmlns="">
+              <a14:hiddenFill xmlns="" xmlns:a14="http://schemas.microsoft.com/office/drawing/2010/main">
                 <a:solidFill>
                   <a:srgbClr val="FFFFFF"/>
                 </a:solidFill>

--- a/courses/oopjava/lecture1.pptx
+++ b/courses/oopjava/lecture1.pptx
@@ -268,7 +268,7 @@
             <a:fld id="{CB44B6B1-5441-9644-AE1C-BB7EA5DBA264}" type="datetimeFigureOut">
               <a:rPr lang="en-US" smtClean="0"/>
               <a:pPr/>
-              <a:t>9/22/20</a:t>
+              <a:t>10/10/20</a:t>
             </a:fld>
             <a:endParaRPr lang="en-US"/>
           </a:p>
@@ -436,7 +436,7 @@
             <a:fld id="{41878819-472C-A14B-95BF-39C94BA106B2}" type="datetimeFigureOut">
               <a:rPr lang="en-US" smtClean="0"/>
               <a:pPr/>
-              <a:t>9/22/20</a:t>
+              <a:t>10/10/20</a:t>
             </a:fld>
             <a:endParaRPr lang="en-US"/>
           </a:p>
@@ -8325,7 +8325,7 @@
           <a:noFill/>
           <a:extLst>
             <a:ext uri="{909E8E84-426E-40dd-AFC4-6F175D3DCCD1}">
-              <a14:hiddenFill xmlns:a14="http://schemas.microsoft.com/office/drawing/2010/main" xmlns="">
+              <a14:hiddenFill xmlns="" xmlns:a14="http://schemas.microsoft.com/office/drawing/2010/main">
                 <a:solidFill>
                   <a:srgbClr val="FFFFFF"/>
                 </a:solidFill>
@@ -8727,7 +8727,7 @@
           <a:noFill/>
           <a:extLst>
             <a:ext uri="{909E8E84-426E-40dd-AFC4-6F175D3DCCD1}">
-              <a14:hiddenFill xmlns:a14="http://schemas.microsoft.com/office/drawing/2010/main" xmlns="">
+              <a14:hiddenFill xmlns="" xmlns:a14="http://schemas.microsoft.com/office/drawing/2010/main">
                 <a:solidFill>
                   <a:srgbClr val="FFFFFF"/>
                 </a:solidFill>
@@ -11904,14 +11904,14 @@
             <p:ph idx="1"/>
             <p:extLst>
               <p:ext uri="{D42A27DB-BD31-4B8C-83A1-F6EECF244321}">
-                <p14:modId xmlns:p14="http://schemas.microsoft.com/office/powerpoint/2010/main" val="2633723186"/>
+                <p14:modId xmlns:p14="http://schemas.microsoft.com/office/powerpoint/2010/main" val="2321819518"/>
               </p:ext>
             </p:extLst>
           </p:nvPr>
         </p:nvGraphicFramePr>
         <p:xfrm>
           <a:off x="457200" y="1231979"/>
-          <a:ext cx="8229600" cy="3967480"/>
+          <a:ext cx="8229600" cy="4781287"/>
         </p:xfrm>
         <a:graphic>
           <a:graphicData uri="http://schemas.openxmlformats.org/drawingml/2006/table">
@@ -12305,6 +12305,84 @@
                 <a:extLst>
                   <a:ext uri="{0D108BD9-81ED-4DB2-BD59-A6C34878D82A}">
                     <a16:rowId xmlns:a16="http://schemas.microsoft.com/office/drawing/2014/main" val="10003"/>
+                  </a:ext>
+                </a:extLst>
+              </a:tr>
+              <a:tr h="813807">
+                <a:tc>
+                  <a:txBody>
+                    <a:bodyPr/>
+                    <a:lstStyle/>
+                    <a:p>
+                      <a:pPr>
+                        <a:spcAft>
+                          <a:spcPts val="0"/>
+                        </a:spcAft>
+                      </a:pPr>
+                      <a:r>
+                        <a:rPr lang="en-US" sz="2000" dirty="0">
+                          <a:solidFill>
+                            <a:srgbClr val="00000A"/>
+                          </a:solidFill>
+                          <a:effectLst/>
+                          <a:latin typeface="Times New Roman"/>
+                          <a:ea typeface="Times New Roman"/>
+                        </a:rPr>
+                        <a:t>OOP Slides</a:t>
+                      </a:r>
+                    </a:p>
+                  </a:txBody>
+                  <a:tcPr marL="34290" marR="34925" marT="34925" marB="34925"/>
+                </a:tc>
+                <a:tc>
+                  <a:txBody>
+                    <a:bodyPr/>
+                    <a:lstStyle/>
+                    <a:p>
+                      <a:pPr>
+                        <a:spcAft>
+                          <a:spcPts val="0"/>
+                        </a:spcAft>
+                      </a:pPr>
+                      <a:r>
+                        <a:rPr lang="en-US" sz="2000" dirty="0">
+                          <a:solidFill>
+                            <a:srgbClr val="00000A"/>
+                          </a:solidFill>
+                          <a:effectLst/>
+                          <a:latin typeface="Times New Roman"/>
+                          <a:ea typeface="Times New Roman"/>
+                          <a:hlinkClick r:id="rId3"/>
+                        </a:rPr>
+                        <a:t>http://thanqminh.com/courses/oopjava/tkhdt</a:t>
+                      </a:r>
+                      <a:r>
+                        <a:rPr lang="en-US" sz="2000">
+                          <a:solidFill>
+                            <a:srgbClr val="00000A"/>
+                          </a:solidFill>
+                          <a:effectLst/>
+                          <a:latin typeface="Times New Roman"/>
+                          <a:ea typeface="Times New Roman"/>
+                          <a:hlinkClick r:id="rId3"/>
+                        </a:rPr>
+                        <a:t>.pdf</a:t>
+                      </a:r>
+                      <a:endParaRPr lang="en-US" sz="2000">
+                        <a:solidFill>
+                          <a:srgbClr val="00000A"/>
+                        </a:solidFill>
+                        <a:effectLst/>
+                        <a:latin typeface="Times New Roman"/>
+                        <a:ea typeface="Times New Roman"/>
+                      </a:endParaRPr>
+                    </a:p>
+                  </a:txBody>
+                  <a:tcPr marL="34290" marR="34925" marT="34925" marB="34925"/>
+                </a:tc>
+                <a:extLst>
+                  <a:ext uri="{0D108BD9-81ED-4DB2-BD59-A6C34878D82A}">
+                    <a16:rowId xmlns:a16="http://schemas.microsoft.com/office/drawing/2014/main" val="316135524"/>
                   </a:ext>
                 </a:extLst>
               </a:tr>
@@ -14335,18 +14413,18 @@
 </file>
 
 <file path=customXml/item1.xml><?xml version="1.0" encoding="utf-8"?>
-<p:properties xmlns:p="http://schemas.microsoft.com/office/2006/metadata/properties" xmlns:xsi="http://www.w3.org/2001/XMLSchema-instance" xmlns:pc="http://schemas.microsoft.com/office/infopath/2007/PartnerControls">
-  <documentManagement/>
-</p:properties>
-</file>
-
-<file path=customXml/item2.xml><?xml version="1.0" encoding="utf-8"?>
 <?mso-contentType ?>
 <FormTemplates xmlns="http://schemas.microsoft.com/sharepoint/v3/contenttype/forms">
   <Display>DocumentLibraryForm</Display>
   <Edit>DocumentLibraryForm</Edit>
   <New>DocumentLibraryForm</New>
 </FormTemplates>
+</file>
+
+<file path=customXml/item2.xml><?xml version="1.0" encoding="utf-8"?>
+<p:properties xmlns:p="http://schemas.microsoft.com/office/2006/metadata/properties" xmlns:xsi="http://www.w3.org/2001/XMLSchema-instance" xmlns:pc="http://schemas.microsoft.com/office/infopath/2007/PartnerControls">
+  <documentManagement/>
+</p:properties>
 </file>
 
 <file path=customXml/item3.xml><?xml version="1.0" encoding="utf-8"?>
@@ -14464,18 +14542,18 @@
 </file>
 
 <file path=customXml/itemProps1.xml><?xml version="1.0" encoding="utf-8"?>
-<ds:datastoreItem xmlns:ds="http://schemas.openxmlformats.org/officeDocument/2006/customXml" ds:itemID="{B6B85E7F-F06A-4027-91E5-A4939FAA88CB}">
+<ds:datastoreItem xmlns:ds="http://schemas.openxmlformats.org/officeDocument/2006/customXml" ds:itemID="{C81D9E64-8D7A-4018-9DE7-AB12136F25BE}">
   <ds:schemaRefs>
-    <ds:schemaRef ds:uri="http://schemas.microsoft.com/office/2006/metadata/properties"/>
-    <ds:schemaRef ds:uri="http://schemas.microsoft.com/office/infopath/2007/PartnerControls"/>
+    <ds:schemaRef ds:uri="http://schemas.microsoft.com/sharepoint/v3/contenttype/forms"/>
   </ds:schemaRefs>
 </ds:datastoreItem>
 </file>
 
 <file path=customXml/itemProps2.xml><?xml version="1.0" encoding="utf-8"?>
-<ds:datastoreItem xmlns:ds="http://schemas.openxmlformats.org/officeDocument/2006/customXml" ds:itemID="{C81D9E64-8D7A-4018-9DE7-AB12136F25BE}">
+<ds:datastoreItem xmlns:ds="http://schemas.openxmlformats.org/officeDocument/2006/customXml" ds:itemID="{B6B85E7F-F06A-4027-91E5-A4939FAA88CB}">
   <ds:schemaRefs>
-    <ds:schemaRef ds:uri="http://schemas.microsoft.com/sharepoint/v3/contenttype/forms"/>
+    <ds:schemaRef ds:uri="http://schemas.microsoft.com/office/2006/metadata/properties"/>
+    <ds:schemaRef ds:uri="http://schemas.microsoft.com/office/infopath/2007/PartnerControls"/>
   </ds:schemaRefs>
 </ds:datastoreItem>
 </file>

--- a/courses/oopjava/lecture1.pptx
+++ b/courses/oopjava/lecture1.pptx
@@ -8325,7 +8325,7 @@
           <a:noFill/>
           <a:extLst>
             <a:ext uri="{909E8E84-426E-40dd-AFC4-6F175D3DCCD1}">
-              <a14:hiddenFill xmlns="" xmlns:a14="http://schemas.microsoft.com/office/drawing/2010/main">
+              <a14:hiddenFill xmlns:a14="http://schemas.microsoft.com/office/drawing/2010/main" xmlns="">
                 <a:solidFill>
                   <a:srgbClr val="FFFFFF"/>
                 </a:solidFill>
@@ -8727,7 +8727,7 @@
           <a:noFill/>
           <a:extLst>
             <a:ext uri="{909E8E84-426E-40dd-AFC4-6F175D3DCCD1}">
-              <a14:hiddenFill xmlns="" xmlns:a14="http://schemas.microsoft.com/office/drawing/2010/main">
+              <a14:hiddenFill xmlns:a14="http://schemas.microsoft.com/office/drawing/2010/main" xmlns="">
                 <a:solidFill>
                   <a:srgbClr val="FFFFFF"/>
                 </a:solidFill>
@@ -14413,18 +14413,18 @@
 </file>
 
 <file path=customXml/item1.xml><?xml version="1.0" encoding="utf-8"?>
+<p:properties xmlns:p="http://schemas.microsoft.com/office/2006/metadata/properties" xmlns:xsi="http://www.w3.org/2001/XMLSchema-instance" xmlns:pc="http://schemas.microsoft.com/office/infopath/2007/PartnerControls">
+  <documentManagement/>
+</p:properties>
+</file>
+
+<file path=customXml/item2.xml><?xml version="1.0" encoding="utf-8"?>
 <?mso-contentType ?>
 <FormTemplates xmlns="http://schemas.microsoft.com/sharepoint/v3/contenttype/forms">
   <Display>DocumentLibraryForm</Display>
   <Edit>DocumentLibraryForm</Edit>
   <New>DocumentLibraryForm</New>
 </FormTemplates>
-</file>
-
-<file path=customXml/item2.xml><?xml version="1.0" encoding="utf-8"?>
-<p:properties xmlns:p="http://schemas.microsoft.com/office/2006/metadata/properties" xmlns:xsi="http://www.w3.org/2001/XMLSchema-instance" xmlns:pc="http://schemas.microsoft.com/office/infopath/2007/PartnerControls">
-  <documentManagement/>
-</p:properties>
 </file>
 
 <file path=customXml/item3.xml><?xml version="1.0" encoding="utf-8"?>
@@ -14542,18 +14542,18 @@
 </file>
 
 <file path=customXml/itemProps1.xml><?xml version="1.0" encoding="utf-8"?>
-<ds:datastoreItem xmlns:ds="http://schemas.openxmlformats.org/officeDocument/2006/customXml" ds:itemID="{C81D9E64-8D7A-4018-9DE7-AB12136F25BE}">
+<ds:datastoreItem xmlns:ds="http://schemas.openxmlformats.org/officeDocument/2006/customXml" ds:itemID="{B6B85E7F-F06A-4027-91E5-A4939FAA88CB}">
   <ds:schemaRefs>
-    <ds:schemaRef ds:uri="http://schemas.microsoft.com/sharepoint/v3/contenttype/forms"/>
+    <ds:schemaRef ds:uri="http://schemas.microsoft.com/office/2006/metadata/properties"/>
+    <ds:schemaRef ds:uri="http://schemas.microsoft.com/office/infopath/2007/PartnerControls"/>
   </ds:schemaRefs>
 </ds:datastoreItem>
 </file>
 
 <file path=customXml/itemProps2.xml><?xml version="1.0" encoding="utf-8"?>
-<ds:datastoreItem xmlns:ds="http://schemas.openxmlformats.org/officeDocument/2006/customXml" ds:itemID="{B6B85E7F-F06A-4027-91E5-A4939FAA88CB}">
+<ds:datastoreItem xmlns:ds="http://schemas.openxmlformats.org/officeDocument/2006/customXml" ds:itemID="{C81D9E64-8D7A-4018-9DE7-AB12136F25BE}">
   <ds:schemaRefs>
-    <ds:schemaRef ds:uri="http://schemas.microsoft.com/office/2006/metadata/properties"/>
-    <ds:schemaRef ds:uri="http://schemas.microsoft.com/office/infopath/2007/PartnerControls"/>
+    <ds:schemaRef ds:uri="http://schemas.microsoft.com/sharepoint/v3/contenttype/forms"/>
   </ds:schemaRefs>
 </ds:datastoreItem>
 </file>

--- a/courses/oopjava/lecture1.pptx
+++ b/courses/oopjava/lecture1.pptx
@@ -5,10 +5,10 @@
     <p:sldMasterId id="2147483816" r:id="rId4"/>
   </p:sldMasterIdLst>
   <p:notesMasterIdLst>
-    <p:notesMasterId r:id="rId32"/>
+    <p:notesMasterId r:id="rId33"/>
   </p:notesMasterIdLst>
   <p:handoutMasterIdLst>
-    <p:handoutMasterId r:id="rId33"/>
+    <p:handoutMasterId r:id="rId34"/>
   </p:handoutMasterIdLst>
   <p:sldIdLst>
     <p:sldId id="256" r:id="rId5"/>
@@ -37,7 +37,8 @@
     <p:sldId id="355" r:id="rId28"/>
     <p:sldId id="356" r:id="rId29"/>
     <p:sldId id="357" r:id="rId30"/>
-    <p:sldId id="344" r:id="rId31"/>
+    <p:sldId id="378" r:id="rId31"/>
+    <p:sldId id="344" r:id="rId32"/>
   </p:sldIdLst>
   <p:sldSz cx="9144000" cy="6858000" type="screen4x3"/>
   <p:notesSz cx="6858000" cy="9144000"/>
@@ -8325,7 +8326,7 @@
           <a:noFill/>
           <a:extLst>
             <a:ext uri="{909E8E84-426E-40dd-AFC4-6F175D3DCCD1}">
-              <a14:hiddenFill xmlns:a14="http://schemas.microsoft.com/office/drawing/2010/main" xmlns="">
+              <a14:hiddenFill xmlns="" xmlns:a14="http://schemas.microsoft.com/office/drawing/2010/main">
                 <a:solidFill>
                   <a:srgbClr val="FFFFFF"/>
                 </a:solidFill>
@@ -8727,7 +8728,7 @@
           <a:noFill/>
           <a:extLst>
             <a:ext uri="{909E8E84-426E-40dd-AFC4-6F175D3DCCD1}">
-              <a14:hiddenFill xmlns:a14="http://schemas.microsoft.com/office/drawing/2010/main" xmlns="">
+              <a14:hiddenFill xmlns="" xmlns:a14="http://schemas.microsoft.com/office/drawing/2010/main">
                 <a:solidFill>
                   <a:srgbClr val="FFFFFF"/>
                 </a:solidFill>
@@ -11422,7 +11423,13 @@
       </p:grpSpPr>
       <p:sp>
         <p:nvSpPr>
-          <p:cNvPr id="2" name="Title 1"/>
+          <p:cNvPr id="2" name="Title 1">
+            <a:extLst>
+              <a:ext uri="{FF2B5EF4-FFF2-40B4-BE49-F238E27FC236}">
+                <a16:creationId xmlns:a16="http://schemas.microsoft.com/office/drawing/2014/main" id="{1CC0570A-ABBE-F242-8158-15E606C55EA7}"/>
+              </a:ext>
+            </a:extLst>
+          </p:cNvPr>
           <p:cNvSpPr>
             <a:spLocks noGrp="1"/>
           </p:cNvSpPr>
@@ -11436,20 +11443,97 @@
           <a:lstStyle/>
           <a:p>
             <a:r>
+              <a:rPr lang="en-VN" dirty="0"/>
+              <a:t>Setup Development Environment</a:t>
+            </a:r>
+          </a:p>
+        </p:txBody>
+      </p:sp>
+      <p:sp>
+        <p:nvSpPr>
+          <p:cNvPr id="3" name="Content Placeholder 2">
+            <a:extLst>
+              <a:ext uri="{FF2B5EF4-FFF2-40B4-BE49-F238E27FC236}">
+                <a16:creationId xmlns:a16="http://schemas.microsoft.com/office/drawing/2014/main" id="{CE96B44A-3329-E246-9AAF-60EF080BD41A}"/>
+              </a:ext>
+            </a:extLst>
+          </p:cNvPr>
+          <p:cNvSpPr>
+            <a:spLocks noGrp="1"/>
+          </p:cNvSpPr>
+          <p:nvPr>
+            <p:ph idx="1"/>
+          </p:nvPr>
+        </p:nvSpPr>
+        <p:spPr/>
+        <p:txBody>
+          <a:bodyPr/>
+          <a:lstStyle/>
+          <a:p>
+            <a:r>
               <a:rPr lang="en-US" dirty="0"/>
-              <a:t>Homework</a:t>
-            </a:r>
-          </a:p>
-        </p:txBody>
-      </p:sp>
-      <p:sp>
-        <p:nvSpPr>
-          <p:cNvPr id="3" name="Content Placeholder 2"/>
-          <p:cNvSpPr>
-            <a:spLocks noGrp="1"/>
-          </p:cNvSpPr>
-          <p:nvPr>
-            <p:ph idx="1"/>
+              <a:t>Install JDK 11 (for example </a:t>
+            </a:r>
+            <a:r>
+              <a:rPr lang="en-US" dirty="0">
+                <a:hlinkClick r:id="rId2"/>
+              </a:rPr>
+              <a:t>https://www.oracle.com/java/technologies/javase-jdk11-downloads.html</a:t>
+            </a:r>
+            <a:r>
+              <a:rPr lang="en-US" dirty="0"/>
+              <a:t> )</a:t>
+            </a:r>
+          </a:p>
+          <a:p>
+            <a:r>
+              <a:rPr lang="en-US" dirty="0"/>
+              <a:t>Install Visual Studio Code</a:t>
+            </a:r>
+          </a:p>
+          <a:p>
+            <a:r>
+              <a:rPr lang="en-US" dirty="0"/>
+              <a:t>Install Java Extension Pack for VS Code</a:t>
+            </a:r>
+            <a:br>
+              <a:rPr lang="en-US" dirty="0"/>
+            </a:br>
+            <a:r>
+              <a:rPr lang="en-US" dirty="0"/>
+              <a:t>Set JAVA_HOME environment variable</a:t>
+            </a:r>
+          </a:p>
+          <a:p>
+            <a:r>
+              <a:rPr lang="en-US" dirty="0"/>
+              <a:t>Setup path environment variable (so </a:t>
+            </a:r>
+            <a:r>
+              <a:rPr lang="en-US" dirty="0" err="1"/>
+              <a:t>javac</a:t>
+            </a:r>
+            <a:r>
+              <a:rPr lang="en-US" dirty="0"/>
+              <a:t> and java command are available)</a:t>
+            </a:r>
+          </a:p>
+        </p:txBody>
+      </p:sp>
+      <p:sp>
+        <p:nvSpPr>
+          <p:cNvPr id="4" name="Footer Placeholder 3">
+            <a:extLst>
+              <a:ext uri="{FF2B5EF4-FFF2-40B4-BE49-F238E27FC236}">
+                <a16:creationId xmlns:a16="http://schemas.microsoft.com/office/drawing/2014/main" id="{D50FA938-EC96-F14E-B57A-A26766BD9531}"/>
+              </a:ext>
+            </a:extLst>
+          </p:cNvPr>
+          <p:cNvSpPr>
+            <a:spLocks noGrp="1"/>
+          </p:cNvSpPr>
+          <p:nvPr>
+            <p:ph type="ftr" sz="quarter" idx="10"/>
           </p:nvPr>
         </p:nvSpPr>
         <p:spPr/>
@@ -11457,54 +11541,28 @@
           <a:bodyPr/>
           <a:lstStyle/>
           <a:p>
-            <a:pPr lvl="0"/>
-            <a:r>
-              <a:rPr lang="en-US" dirty="0"/>
-              <a:t>Java book: chapter 1-5</a:t>
-            </a:r>
-          </a:p>
-          <a:p>
-            <a:pPr lvl="0"/>
-            <a:r>
-              <a:rPr lang="en-US" dirty="0"/>
-              <a:t>Install JDK, VS Code</a:t>
-            </a:r>
-          </a:p>
-          <a:p>
-            <a:r>
-              <a:rPr lang="vi-VN" dirty="0">
-                <a:hlinkClick r:id="rId2"/>
-              </a:rPr>
-              <a:t>http://programmingbydoing.com/</a:t>
-            </a:r>
-            <a:r>
-              <a:rPr lang="vi-VN" dirty="0"/>
-              <a:t> 1-7</a:t>
-            </a:r>
-            <a:r>
-              <a:rPr lang="en-US" dirty="0"/>
-              <a:t>5 (except 63)</a:t>
-            </a:r>
-          </a:p>
-          <a:p>
-            <a:r>
-              <a:rPr lang="en-US" dirty="0">
-                <a:hlinkClick r:id="rId3"/>
-              </a:rPr>
-              <a:t>https://www.ntu.edu.sg/home/ehchua/programming/java/J3f_OOPExercises.html</a:t>
-            </a:r>
-            <a:endParaRPr lang="en-US" dirty="0"/>
-          </a:p>
-        </p:txBody>
-      </p:sp>
-      <p:sp>
-        <p:nvSpPr>
-          <p:cNvPr id="7" name="Footer Placeholder 6"/>
-          <p:cNvSpPr>
-            <a:spLocks noGrp="1"/>
-          </p:cNvSpPr>
-          <p:nvPr>
-            <p:ph type="ftr" sz="quarter" idx="10"/>
+            <a:r>
+              <a:rPr lang="en-US"/>
+              <a:t>Lecture 1: Course Introduction</a:t>
+            </a:r>
+            <a:endParaRPr lang="en-US" dirty="0"/>
+          </a:p>
+        </p:txBody>
+      </p:sp>
+      <p:sp>
+        <p:nvSpPr>
+          <p:cNvPr id="5" name="Date Placeholder 4">
+            <a:extLst>
+              <a:ext uri="{FF2B5EF4-FFF2-40B4-BE49-F238E27FC236}">
+                <a16:creationId xmlns:a16="http://schemas.microsoft.com/office/drawing/2014/main" id="{9979CD70-C1A9-944E-8BEC-714F946AD2D0}"/>
+              </a:ext>
+            </a:extLst>
+          </p:cNvPr>
+          <p:cNvSpPr>
+            <a:spLocks noGrp="1"/>
+          </p:cNvSpPr>
+          <p:nvPr>
+            <p:ph type="dt" sz="half" idx="11"/>
           </p:nvPr>
         </p:nvSpPr>
         <p:spPr/>
@@ -11513,29 +11571,7 @@
           <a:lstStyle/>
           <a:p>
             <a:r>
-              <a:rPr lang="en-US" dirty="0"/>
-              <a:t>Lecture 1: Course Introduction</a:t>
-            </a:r>
-          </a:p>
-        </p:txBody>
-      </p:sp>
-      <p:sp>
-        <p:nvSpPr>
-          <p:cNvPr id="8" name="Date Placeholder 7"/>
-          <p:cNvSpPr>
-            <a:spLocks noGrp="1"/>
-          </p:cNvSpPr>
-          <p:nvPr>
-            <p:ph type="dt" sz="half" idx="11"/>
-          </p:nvPr>
-        </p:nvSpPr>
-        <p:spPr/>
-        <p:txBody>
-          <a:bodyPr/>
-          <a:lstStyle/>
-          <a:p>
-            <a:r>
-              <a:rPr lang="en-GB" dirty="0"/>
+              <a:rPr lang="mr-IN"/>
               <a:t>19/09/2020</a:t>
             </a:r>
             <a:endParaRPr lang="en-US" dirty="0"/>
@@ -11544,7 +11580,13 @@
       </p:sp>
       <p:sp>
         <p:nvSpPr>
-          <p:cNvPr id="9" name="Slide Number Placeholder 8"/>
+          <p:cNvPr id="6" name="Slide Number Placeholder 5">
+            <a:extLst>
+              <a:ext uri="{FF2B5EF4-FFF2-40B4-BE49-F238E27FC236}">
+                <a16:creationId xmlns:a16="http://schemas.microsoft.com/office/drawing/2014/main" id="{C5A2F687-1FF1-A341-AFF9-EDB9D62DDB65}"/>
+              </a:ext>
+            </a:extLst>
+          </p:cNvPr>
           <p:cNvSpPr>
             <a:spLocks noGrp="1"/>
           </p:cNvSpPr>
@@ -11561,6 +11603,188 @@
               <a:rPr lang="en-US" smtClean="0"/>
               <a:pPr/>
               <a:t>27</a:t>
+            </a:fld>
+            <a:endParaRPr lang="en-US"/>
+          </a:p>
+        </p:txBody>
+      </p:sp>
+    </p:spTree>
+    <p:extLst>
+      <p:ext uri="{BB962C8B-B14F-4D97-AF65-F5344CB8AC3E}">
+        <p14:creationId xmlns:p14="http://schemas.microsoft.com/office/powerpoint/2010/main" val="2325776096"/>
+      </p:ext>
+    </p:extLst>
+  </p:cSld>
+  <p:clrMapOvr>
+    <a:masterClrMapping/>
+  </p:clrMapOvr>
+  <p:transition spd="med">
+    <p:wipe dir="r"/>
+  </p:transition>
+</p:sld>
+</file>
+
+<file path=ppt/slides/slide28.xml><?xml version="1.0" encoding="utf-8"?>
+<p:sld xmlns:a="http://schemas.openxmlformats.org/drawingml/2006/main" xmlns:r="http://schemas.openxmlformats.org/officeDocument/2006/relationships" xmlns:p="http://schemas.openxmlformats.org/presentationml/2006/main">
+  <p:cSld>
+    <p:spTree>
+      <p:nvGrpSpPr>
+        <p:cNvPr id="1" name=""/>
+        <p:cNvGrpSpPr/>
+        <p:nvPr/>
+      </p:nvGrpSpPr>
+      <p:grpSpPr>
+        <a:xfrm>
+          <a:off x="0" y="0"/>
+          <a:ext cx="0" cy="0"/>
+          <a:chOff x="0" y="0"/>
+          <a:chExt cx="0" cy="0"/>
+        </a:xfrm>
+      </p:grpSpPr>
+      <p:sp>
+        <p:nvSpPr>
+          <p:cNvPr id="2" name="Title 1"/>
+          <p:cNvSpPr>
+            <a:spLocks noGrp="1"/>
+          </p:cNvSpPr>
+          <p:nvPr>
+            <p:ph type="title"/>
+          </p:nvPr>
+        </p:nvSpPr>
+        <p:spPr/>
+        <p:txBody>
+          <a:bodyPr/>
+          <a:lstStyle/>
+          <a:p>
+            <a:r>
+              <a:rPr lang="en-US" dirty="0"/>
+              <a:t>Homework</a:t>
+            </a:r>
+          </a:p>
+        </p:txBody>
+      </p:sp>
+      <p:sp>
+        <p:nvSpPr>
+          <p:cNvPr id="3" name="Content Placeholder 2"/>
+          <p:cNvSpPr>
+            <a:spLocks noGrp="1"/>
+          </p:cNvSpPr>
+          <p:nvPr>
+            <p:ph idx="1"/>
+          </p:nvPr>
+        </p:nvSpPr>
+        <p:spPr/>
+        <p:txBody>
+          <a:bodyPr/>
+          <a:lstStyle/>
+          <a:p>
+            <a:pPr lvl="0"/>
+            <a:r>
+              <a:rPr lang="en-US" dirty="0"/>
+              <a:t>Java book: chapter 1-5</a:t>
+            </a:r>
+          </a:p>
+          <a:p>
+            <a:pPr lvl="0"/>
+            <a:r>
+              <a:rPr lang="en-US" dirty="0"/>
+              <a:t>Install JDK, VS Code</a:t>
+            </a:r>
+          </a:p>
+          <a:p>
+            <a:r>
+              <a:rPr lang="vi-VN" dirty="0">
+                <a:hlinkClick r:id="rId2"/>
+              </a:rPr>
+              <a:t>http://programmingbydoing.com/</a:t>
+            </a:r>
+            <a:r>
+              <a:rPr lang="vi-VN" dirty="0"/>
+              <a:t> 1-7</a:t>
+            </a:r>
+            <a:r>
+              <a:rPr lang="en-US" dirty="0"/>
+              <a:t>5 (except 63)</a:t>
+            </a:r>
+          </a:p>
+          <a:p>
+            <a:r>
+              <a:rPr lang="en-US" dirty="0">
+                <a:hlinkClick r:id="rId3"/>
+              </a:rPr>
+              <a:t>https://www.ntu.edu.sg/home/ehchua/programming/java/J3f_OOPExercises.html</a:t>
+            </a:r>
+            <a:br>
+              <a:rPr lang="en-US" dirty="0"/>
+            </a:br>
+            <a:endParaRPr lang="en-US" dirty="0"/>
+          </a:p>
+        </p:txBody>
+      </p:sp>
+      <p:sp>
+        <p:nvSpPr>
+          <p:cNvPr id="7" name="Footer Placeholder 6"/>
+          <p:cNvSpPr>
+            <a:spLocks noGrp="1"/>
+          </p:cNvSpPr>
+          <p:nvPr>
+            <p:ph type="ftr" sz="quarter" idx="10"/>
+          </p:nvPr>
+        </p:nvSpPr>
+        <p:spPr/>
+        <p:txBody>
+          <a:bodyPr/>
+          <a:lstStyle/>
+          <a:p>
+            <a:r>
+              <a:rPr lang="en-US" dirty="0"/>
+              <a:t>Lecture 1: Course Introduction</a:t>
+            </a:r>
+          </a:p>
+        </p:txBody>
+      </p:sp>
+      <p:sp>
+        <p:nvSpPr>
+          <p:cNvPr id="8" name="Date Placeholder 7"/>
+          <p:cNvSpPr>
+            <a:spLocks noGrp="1"/>
+          </p:cNvSpPr>
+          <p:nvPr>
+            <p:ph type="dt" sz="half" idx="11"/>
+          </p:nvPr>
+        </p:nvSpPr>
+        <p:spPr/>
+        <p:txBody>
+          <a:bodyPr/>
+          <a:lstStyle/>
+          <a:p>
+            <a:r>
+              <a:rPr lang="en-GB" dirty="0"/>
+              <a:t>19/09/2020</a:t>
+            </a:r>
+            <a:endParaRPr lang="en-US" dirty="0"/>
+          </a:p>
+        </p:txBody>
+      </p:sp>
+      <p:sp>
+        <p:nvSpPr>
+          <p:cNvPr id="9" name="Slide Number Placeholder 8"/>
+          <p:cNvSpPr>
+            <a:spLocks noGrp="1"/>
+          </p:cNvSpPr>
+          <p:nvPr>
+            <p:ph type="sldNum" sz="quarter" idx="12"/>
+          </p:nvPr>
+        </p:nvSpPr>
+        <p:spPr/>
+        <p:txBody>
+          <a:bodyPr/>
+          <a:lstStyle/>
+          <a:p>
+            <a:fld id="{1D5CD492-2BC6-F348-9965-EC1D86DF57A8}" type="slidenum">
+              <a:rPr lang="en-US" smtClean="0"/>
+              <a:pPr/>
+              <a:t>28</a:t>
             </a:fld>
             <a:endParaRPr lang="en-US"/>
           </a:p>
@@ -14413,18 +14637,18 @@
 </file>
 
 <file path=customXml/item1.xml><?xml version="1.0" encoding="utf-8"?>
-<p:properties xmlns:p="http://schemas.microsoft.com/office/2006/metadata/properties" xmlns:xsi="http://www.w3.org/2001/XMLSchema-instance" xmlns:pc="http://schemas.microsoft.com/office/infopath/2007/PartnerControls">
-  <documentManagement/>
-</p:properties>
-</file>
-
-<file path=customXml/item2.xml><?xml version="1.0" encoding="utf-8"?>
 <?mso-contentType ?>
 <FormTemplates xmlns="http://schemas.microsoft.com/sharepoint/v3/contenttype/forms">
   <Display>DocumentLibraryForm</Display>
   <Edit>DocumentLibraryForm</Edit>
   <New>DocumentLibraryForm</New>
 </FormTemplates>
+</file>
+
+<file path=customXml/item2.xml><?xml version="1.0" encoding="utf-8"?>
+<p:properties xmlns:p="http://schemas.microsoft.com/office/2006/metadata/properties" xmlns:xsi="http://www.w3.org/2001/XMLSchema-instance" xmlns:pc="http://schemas.microsoft.com/office/infopath/2007/PartnerControls">
+  <documentManagement/>
+</p:properties>
 </file>
 
 <file path=customXml/item3.xml><?xml version="1.0" encoding="utf-8"?>
@@ -14542,18 +14766,18 @@
 </file>
 
 <file path=customXml/itemProps1.xml><?xml version="1.0" encoding="utf-8"?>
-<ds:datastoreItem xmlns:ds="http://schemas.openxmlformats.org/officeDocument/2006/customXml" ds:itemID="{B6B85E7F-F06A-4027-91E5-A4939FAA88CB}">
+<ds:datastoreItem xmlns:ds="http://schemas.openxmlformats.org/officeDocument/2006/customXml" ds:itemID="{C81D9E64-8D7A-4018-9DE7-AB12136F25BE}">
   <ds:schemaRefs>
-    <ds:schemaRef ds:uri="http://schemas.microsoft.com/office/2006/metadata/properties"/>
-    <ds:schemaRef ds:uri="http://schemas.microsoft.com/office/infopath/2007/PartnerControls"/>
+    <ds:schemaRef ds:uri="http://schemas.microsoft.com/sharepoint/v3/contenttype/forms"/>
   </ds:schemaRefs>
 </ds:datastoreItem>
 </file>
 
 <file path=customXml/itemProps2.xml><?xml version="1.0" encoding="utf-8"?>
-<ds:datastoreItem xmlns:ds="http://schemas.openxmlformats.org/officeDocument/2006/customXml" ds:itemID="{C81D9E64-8D7A-4018-9DE7-AB12136F25BE}">
+<ds:datastoreItem xmlns:ds="http://schemas.openxmlformats.org/officeDocument/2006/customXml" ds:itemID="{B6B85E7F-F06A-4027-91E5-A4939FAA88CB}">
   <ds:schemaRefs>
-    <ds:schemaRef ds:uri="http://schemas.microsoft.com/sharepoint/v3/contenttype/forms"/>
+    <ds:schemaRef ds:uri="http://schemas.microsoft.com/office/2006/metadata/properties"/>
+    <ds:schemaRef ds:uri="http://schemas.microsoft.com/office/infopath/2007/PartnerControls"/>
   </ds:schemaRefs>
 </ds:datastoreItem>
 </file>
